--- a/Beyond The Blocks.pptx
+++ b/Beyond The Blocks.pptx
@@ -5,11 +5,14 @@
     <p:sldMasterId id="2147483648" r:id="rId1"/>
   </p:sldMasterIdLst>
   <p:sldIdLst>
-    <p:sldId id="256" r:id="rId2"/>
-    <p:sldId id="259" r:id="rId3"/>
-    <p:sldId id="258" r:id="rId4"/>
-    <p:sldId id="260" r:id="rId5"/>
-    <p:sldId id="261" r:id="rId6"/>
+    <p:sldId id="263" r:id="rId2"/>
+    <p:sldId id="256" r:id="rId3"/>
+    <p:sldId id="264" r:id="rId4"/>
+    <p:sldId id="259" r:id="rId5"/>
+    <p:sldId id="265" r:id="rId6"/>
+    <p:sldId id="258" r:id="rId7"/>
+    <p:sldId id="260" r:id="rId8"/>
+    <p:sldId id="261" r:id="rId9"/>
   </p:sldIdLst>
   <p:sldSz cx="12192000" cy="6858000"/>
   <p:notesSz cx="6858000" cy="9144000"/>
@@ -116,6 +119,445 @@
 </p:presentation>
 </file>
 
+<file path=ppt/revisionInfo.xml><?xml version="1.0" encoding="utf-8"?>
+<p1510:revInfo xmlns:a="http://schemas.openxmlformats.org/drawingml/2006/main" xmlns:r="http://schemas.openxmlformats.org/officeDocument/2006/relationships" xmlns:p1510="http://schemas.microsoft.com/office/powerpoint/2015/10/main">
+  <p1510:revLst>
+    <p1510:client id="{22D7F7E2-A621-4B1A-B75F-5EE78B3ED57F}" v="106" dt="2024-11-07T20:03:00.073"/>
+  </p1510:revLst>
+</p1510:revInfo>
+</file>
+
+<file path=ppt/changesInfos/changesInfo1.xml><?xml version="1.0" encoding="utf-8"?>
+<pc:chgInfo xmlns:a="http://schemas.openxmlformats.org/drawingml/2006/main" xmlns:r="http://schemas.openxmlformats.org/officeDocument/2006/relationships" xmlns:ac="http://schemas.microsoft.com/office/drawing/2013/main/command" xmlns:pc="http://schemas.microsoft.com/office/powerpoint/2013/main/command">
+  <pc:docChgLst>
+    <pc:chgData name="Kristóf Pajor" userId="54ae5f80e4684dd4" providerId="LiveId" clId="{22D7F7E2-A621-4B1A-B75F-5EE78B3ED57F}"/>
+    <pc:docChg chg="undo custSel addSld delSld modSld sldOrd">
+      <pc:chgData name="Kristóf Pajor" userId="54ae5f80e4684dd4" providerId="LiveId" clId="{22D7F7E2-A621-4B1A-B75F-5EE78B3ED57F}" dt="2024-11-07T20:11:43.574" v="1015" actId="1076"/>
+      <pc:docMkLst>
+        <pc:docMk/>
+      </pc:docMkLst>
+      <pc:sldChg chg="addSp delSp modSp mod modTransition setBg">
+        <pc:chgData name="Kristóf Pajor" userId="54ae5f80e4684dd4" providerId="LiveId" clId="{22D7F7E2-A621-4B1A-B75F-5EE78B3ED57F}" dt="2024-11-07T19:51:27.008" v="957" actId="207"/>
+        <pc:sldMkLst>
+          <pc:docMk/>
+          <pc:sldMk cId="3606416112" sldId="256"/>
+        </pc:sldMkLst>
+        <pc:spChg chg="add mod">
+          <ac:chgData name="Kristóf Pajor" userId="54ae5f80e4684dd4" providerId="LiveId" clId="{22D7F7E2-A621-4B1A-B75F-5EE78B3ED57F}" dt="2024-11-07T11:27:19.440" v="297" actId="164"/>
+          <ac:spMkLst>
+            <pc:docMk/>
+            <pc:sldMk cId="3606416112" sldId="256"/>
+            <ac:spMk id="7" creationId="{ED1FF2B1-F176-3BAC-76D5-67D770DC1B91}"/>
+          </ac:spMkLst>
+        </pc:spChg>
+        <pc:spChg chg="add mod">
+          <ac:chgData name="Kristóf Pajor" userId="54ae5f80e4684dd4" providerId="LiveId" clId="{22D7F7E2-A621-4B1A-B75F-5EE78B3ED57F}" dt="2024-11-07T11:27:19.440" v="297" actId="164"/>
+          <ac:spMkLst>
+            <pc:docMk/>
+            <pc:sldMk cId="3606416112" sldId="256"/>
+            <ac:spMk id="11" creationId="{85981D3A-935D-6E1B-94A5-69B2B98849DC}"/>
+          </ac:spMkLst>
+        </pc:spChg>
+        <pc:spChg chg="add del mod">
+          <ac:chgData name="Kristóf Pajor" userId="54ae5f80e4684dd4" providerId="LiveId" clId="{22D7F7E2-A621-4B1A-B75F-5EE78B3ED57F}" dt="2024-11-07T19:42:47.631" v="521" actId="478"/>
+          <ac:spMkLst>
+            <pc:docMk/>
+            <pc:sldMk cId="3606416112" sldId="256"/>
+            <ac:spMk id="13" creationId="{FADA1651-4DBD-37B8-C641-D3B2E2B2C70C}"/>
+          </ac:spMkLst>
+        </pc:spChg>
+        <pc:spChg chg="add mod">
+          <ac:chgData name="Kristóf Pajor" userId="54ae5f80e4684dd4" providerId="LiveId" clId="{22D7F7E2-A621-4B1A-B75F-5EE78B3ED57F}" dt="2024-11-07T19:49:58.536" v="942" actId="207"/>
+          <ac:spMkLst>
+            <pc:docMk/>
+            <pc:sldMk cId="3606416112" sldId="256"/>
+            <ac:spMk id="14" creationId="{A4537974-1844-C010-6E2C-061216E4B6D5}"/>
+          </ac:spMkLst>
+        </pc:spChg>
+        <pc:spChg chg="add mod">
+          <ac:chgData name="Kristóf Pajor" userId="54ae5f80e4684dd4" providerId="LiveId" clId="{22D7F7E2-A621-4B1A-B75F-5EE78B3ED57F}" dt="2024-11-07T19:50:34.864" v="947" actId="207"/>
+          <ac:spMkLst>
+            <pc:docMk/>
+            <pc:sldMk cId="3606416112" sldId="256"/>
+            <ac:spMk id="15" creationId="{25CB45B9-EA78-2632-0C15-68C8ADCC8093}"/>
+          </ac:spMkLst>
+        </pc:spChg>
+        <pc:spChg chg="add mod">
+          <ac:chgData name="Kristóf Pajor" userId="54ae5f80e4684dd4" providerId="LiveId" clId="{22D7F7E2-A621-4B1A-B75F-5EE78B3ED57F}" dt="2024-11-07T19:51:27.008" v="957" actId="207"/>
+          <ac:spMkLst>
+            <pc:docMk/>
+            <pc:sldMk cId="3606416112" sldId="256"/>
+            <ac:spMk id="16" creationId="{CE6AEBF4-85AC-140E-F225-72F7F80F3FFF}"/>
+          </ac:spMkLst>
+        </pc:spChg>
+        <pc:spChg chg="add mod">
+          <ac:chgData name="Kristóf Pajor" userId="54ae5f80e4684dd4" providerId="LiveId" clId="{22D7F7E2-A621-4B1A-B75F-5EE78B3ED57F}" dt="2024-11-07T19:42:55.821" v="525" actId="571"/>
+          <ac:spMkLst>
+            <pc:docMk/>
+            <pc:sldMk cId="3606416112" sldId="256"/>
+            <ac:spMk id="17" creationId="{CE888ED3-F9BF-71BF-5052-EECF3BA47130}"/>
+          </ac:spMkLst>
+        </pc:spChg>
+        <pc:spChg chg="add mod">
+          <ac:chgData name="Kristóf Pajor" userId="54ae5f80e4684dd4" providerId="LiveId" clId="{22D7F7E2-A621-4B1A-B75F-5EE78B3ED57F}" dt="2024-11-07T19:42:55.821" v="525" actId="571"/>
+          <ac:spMkLst>
+            <pc:docMk/>
+            <pc:sldMk cId="3606416112" sldId="256"/>
+            <ac:spMk id="18" creationId="{19E10B29-78CE-0D75-4728-9C079B5EB819}"/>
+          </ac:spMkLst>
+        </pc:spChg>
+        <pc:grpChg chg="add mod">
+          <ac:chgData name="Kristóf Pajor" userId="54ae5f80e4684dd4" providerId="LiveId" clId="{22D7F7E2-A621-4B1A-B75F-5EE78B3ED57F}" dt="2024-11-07T11:27:19.440" v="297" actId="164"/>
+          <ac:grpSpMkLst>
+            <pc:docMk/>
+            <pc:sldMk cId="3606416112" sldId="256"/>
+            <ac:grpSpMk id="12" creationId="{D4E6FAF4-FA0E-861D-2E7B-27D01243C1CF}"/>
+          </ac:grpSpMkLst>
+        </pc:grpChg>
+        <pc:picChg chg="add del mod ord modCrop">
+          <ac:chgData name="Kristóf Pajor" userId="54ae5f80e4684dd4" providerId="LiveId" clId="{22D7F7E2-A621-4B1A-B75F-5EE78B3ED57F}" dt="2024-11-07T10:54:47.206" v="135" actId="478"/>
+          <ac:picMkLst>
+            <pc:docMk/>
+            <pc:sldMk cId="3606416112" sldId="256"/>
+            <ac:picMk id="5" creationId="{05CAE52E-1093-4087-86F2-8390F63A58AB}"/>
+          </ac:picMkLst>
+        </pc:picChg>
+        <pc:picChg chg="add mod">
+          <ac:chgData name="Kristóf Pajor" userId="54ae5f80e4684dd4" providerId="LiveId" clId="{22D7F7E2-A621-4B1A-B75F-5EE78B3ED57F}" dt="2024-11-07T10:55:06.814" v="139" actId="1035"/>
+          <ac:picMkLst>
+            <pc:docMk/>
+            <pc:sldMk cId="3606416112" sldId="256"/>
+            <ac:picMk id="6" creationId="{17AF18FB-5F7E-00A3-B253-55C4264872FC}"/>
+          </ac:picMkLst>
+        </pc:picChg>
+        <pc:picChg chg="add del mod modCrop">
+          <ac:chgData name="Kristóf Pajor" userId="54ae5f80e4684dd4" providerId="LiveId" clId="{22D7F7E2-A621-4B1A-B75F-5EE78B3ED57F}" dt="2024-11-07T11:02:28.739" v="248" actId="478"/>
+          <ac:picMkLst>
+            <pc:docMk/>
+            <pc:sldMk cId="3606416112" sldId="256"/>
+            <ac:picMk id="9" creationId="{5BBD13F5-B9E8-4DDE-E52B-0DEF3067C4CA}"/>
+          </ac:picMkLst>
+        </pc:picChg>
+        <pc:picChg chg="add del mod">
+          <ac:chgData name="Kristóf Pajor" userId="54ae5f80e4684dd4" providerId="LiveId" clId="{22D7F7E2-A621-4B1A-B75F-5EE78B3ED57F}" dt="2024-11-07T11:02:01.034" v="247" actId="478"/>
+          <ac:picMkLst>
+            <pc:docMk/>
+            <pc:sldMk cId="3606416112" sldId="256"/>
+            <ac:picMk id="10" creationId="{894ED032-7FB3-6663-F123-5A495EDEA0F4}"/>
+          </ac:picMkLst>
+        </pc:picChg>
+      </pc:sldChg>
+      <pc:sldChg chg="addSp delSp modSp mod ord modTransition">
+        <pc:chgData name="Kristóf Pajor" userId="54ae5f80e4684dd4" providerId="LiveId" clId="{22D7F7E2-A621-4B1A-B75F-5EE78B3ED57F}" dt="2024-11-07T19:51:57.838" v="963" actId="166"/>
+        <pc:sldMkLst>
+          <pc:docMk/>
+          <pc:sldMk cId="1675879901" sldId="259"/>
+        </pc:sldMkLst>
+        <pc:spChg chg="del mod">
+          <ac:chgData name="Kristóf Pajor" userId="54ae5f80e4684dd4" providerId="LiveId" clId="{22D7F7E2-A621-4B1A-B75F-5EE78B3ED57F}" dt="2024-11-07T19:49:02.841" v="938" actId="478"/>
+          <ac:spMkLst>
+            <pc:docMk/>
+            <pc:sldMk cId="1675879901" sldId="259"/>
+            <ac:spMk id="2" creationId="{F2723EA3-B757-9F28-CA99-910330CA6C9E}"/>
+          </ac:spMkLst>
+        </pc:spChg>
+        <pc:spChg chg="del">
+          <ac:chgData name="Kristóf Pajor" userId="54ae5f80e4684dd4" providerId="LiveId" clId="{22D7F7E2-A621-4B1A-B75F-5EE78B3ED57F}" dt="2024-11-07T19:46:54.425" v="774" actId="21"/>
+          <ac:spMkLst>
+            <pc:docMk/>
+            <pc:sldMk cId="1675879901" sldId="259"/>
+            <ac:spMk id="3" creationId="{EE3CFDDD-573C-E5B0-E715-B228C2D2B21C}"/>
+          </ac:spMkLst>
+        </pc:spChg>
+        <pc:spChg chg="add del mod">
+          <ac:chgData name="Kristóf Pajor" userId="54ae5f80e4684dd4" providerId="LiveId" clId="{22D7F7E2-A621-4B1A-B75F-5EE78B3ED57F}" dt="2024-11-07T19:43:53.430" v="773" actId="478"/>
+          <ac:spMkLst>
+            <pc:docMk/>
+            <pc:sldMk cId="1675879901" sldId="259"/>
+            <ac:spMk id="15" creationId="{FC449067-4DF5-15DA-86AD-49A02C69784F}"/>
+          </ac:spMkLst>
+        </pc:spChg>
+        <pc:spChg chg="add mod ord">
+          <ac:chgData name="Kristóf Pajor" userId="54ae5f80e4684dd4" providerId="LiveId" clId="{22D7F7E2-A621-4B1A-B75F-5EE78B3ED57F}" dt="2024-11-07T19:50:24.475" v="946" actId="207"/>
+          <ac:spMkLst>
+            <pc:docMk/>
+            <pc:sldMk cId="1675879901" sldId="259"/>
+            <ac:spMk id="16" creationId="{0AAB4890-30BB-9F85-0474-AD247F6FE918}"/>
+          </ac:spMkLst>
+        </pc:spChg>
+        <pc:spChg chg="add mod ord">
+          <ac:chgData name="Kristóf Pajor" userId="54ae5f80e4684dd4" providerId="LiveId" clId="{22D7F7E2-A621-4B1A-B75F-5EE78B3ED57F}" dt="2024-11-07T19:51:57.838" v="963" actId="166"/>
+          <ac:spMkLst>
+            <pc:docMk/>
+            <pc:sldMk cId="1675879901" sldId="259"/>
+            <ac:spMk id="17" creationId="{7D76DDC6-10F5-F6F7-4B51-A59E855D3135}"/>
+          </ac:spMkLst>
+        </pc:spChg>
+        <pc:spChg chg="add del mod">
+          <ac:chgData name="Kristóf Pajor" userId="54ae5f80e4684dd4" providerId="LiveId" clId="{22D7F7E2-A621-4B1A-B75F-5EE78B3ED57F}" dt="2024-11-07T19:48:51.727" v="934" actId="478"/>
+          <ac:spMkLst>
+            <pc:docMk/>
+            <pc:sldMk cId="1675879901" sldId="259"/>
+            <ac:spMk id="19" creationId="{A908DF52-1453-27C9-FB4B-4A8096C53FEB}"/>
+          </ac:spMkLst>
+        </pc:spChg>
+        <pc:spChg chg="add mod">
+          <ac:chgData name="Kristóf Pajor" userId="54ae5f80e4684dd4" providerId="LiveId" clId="{22D7F7E2-A621-4B1A-B75F-5EE78B3ED57F}" dt="2024-11-07T19:50:16.465" v="945" actId="207"/>
+          <ac:spMkLst>
+            <pc:docMk/>
+            <pc:sldMk cId="1675879901" sldId="259"/>
+            <ac:spMk id="20" creationId="{DE58B46F-1B24-B731-AEB4-E409E10FB5FA}"/>
+          </ac:spMkLst>
+        </pc:spChg>
+        <pc:spChg chg="add mod">
+          <ac:chgData name="Kristóf Pajor" userId="54ae5f80e4684dd4" providerId="LiveId" clId="{22D7F7E2-A621-4B1A-B75F-5EE78B3ED57F}" dt="2024-11-07T19:47:13.345" v="776"/>
+          <ac:spMkLst>
+            <pc:docMk/>
+            <pc:sldMk cId="1675879901" sldId="259"/>
+            <ac:spMk id="21" creationId="{E67F48C6-2E0B-0104-FBC7-D2A18733FBB6}"/>
+          </ac:spMkLst>
+        </pc:spChg>
+        <pc:spChg chg="add del mod">
+          <ac:chgData name="Kristóf Pajor" userId="54ae5f80e4684dd4" providerId="LiveId" clId="{22D7F7E2-A621-4B1A-B75F-5EE78B3ED57F}" dt="2024-11-07T19:49:05.730" v="939" actId="478"/>
+          <ac:spMkLst>
+            <pc:docMk/>
+            <pc:sldMk cId="1675879901" sldId="259"/>
+            <ac:spMk id="23" creationId="{5CC8EA3B-4705-5BF5-BA39-E2A073395878}"/>
+          </ac:spMkLst>
+        </pc:spChg>
+        <pc:spChg chg="mod">
+          <ac:chgData name="Kristóf Pajor" userId="54ae5f80e4684dd4" providerId="LiveId" clId="{22D7F7E2-A621-4B1A-B75F-5EE78B3ED57F}" dt="2024-11-07T19:49:11.802" v="940"/>
+          <ac:spMkLst>
+            <pc:docMk/>
+            <pc:sldMk cId="1675879901" sldId="259"/>
+            <ac:spMk id="25" creationId="{01970F17-3102-83A9-B73F-17FFCC50B28F}"/>
+          </ac:spMkLst>
+        </pc:spChg>
+        <pc:spChg chg="mod">
+          <ac:chgData name="Kristóf Pajor" userId="54ae5f80e4684dd4" providerId="LiveId" clId="{22D7F7E2-A621-4B1A-B75F-5EE78B3ED57F}" dt="2024-11-07T19:49:11.802" v="940"/>
+          <ac:spMkLst>
+            <pc:docMk/>
+            <pc:sldMk cId="1675879901" sldId="259"/>
+            <ac:spMk id="26" creationId="{F40B34DD-2F79-4F88-2129-2352E907977A}"/>
+          </ac:spMkLst>
+        </pc:spChg>
+        <pc:grpChg chg="add mod">
+          <ac:chgData name="Kristóf Pajor" userId="54ae5f80e4684dd4" providerId="LiveId" clId="{22D7F7E2-A621-4B1A-B75F-5EE78B3ED57F}" dt="2024-11-07T19:49:11.802" v="940"/>
+          <ac:grpSpMkLst>
+            <pc:docMk/>
+            <pc:sldMk cId="1675879901" sldId="259"/>
+            <ac:grpSpMk id="24" creationId="{54661281-E6FD-2853-62AE-1C41C31E7B0C}"/>
+          </ac:grpSpMkLst>
+        </pc:grpChg>
+        <pc:picChg chg="del">
+          <ac:chgData name="Kristóf Pajor" userId="54ae5f80e4684dd4" providerId="LiveId" clId="{22D7F7E2-A621-4B1A-B75F-5EE78B3ED57F}" dt="2024-11-07T11:12:35.495" v="289" actId="478"/>
+          <ac:picMkLst>
+            <pc:docMk/>
+            <pc:sldMk cId="1675879901" sldId="259"/>
+            <ac:picMk id="5" creationId="{72CCE82E-C039-A0DF-E5CD-8188F48BAC68}"/>
+          </ac:picMkLst>
+        </pc:picChg>
+        <pc:picChg chg="add del mod">
+          <ac:chgData name="Kristóf Pajor" userId="54ae5f80e4684dd4" providerId="LiveId" clId="{22D7F7E2-A621-4B1A-B75F-5EE78B3ED57F}" dt="2024-11-07T11:12:26.911" v="287" actId="22"/>
+          <ac:picMkLst>
+            <pc:docMk/>
+            <pc:sldMk cId="1675879901" sldId="259"/>
+            <ac:picMk id="6" creationId="{0B56855C-D9B3-1DC9-5FF5-FB49DE7EA7FC}"/>
+          </ac:picMkLst>
+        </pc:picChg>
+        <pc:picChg chg="add del mod">
+          <ac:chgData name="Kristóf Pajor" userId="54ae5f80e4684dd4" providerId="LiveId" clId="{22D7F7E2-A621-4B1A-B75F-5EE78B3ED57F}" dt="2024-11-07T11:12:26.331" v="285" actId="22"/>
+          <ac:picMkLst>
+            <pc:docMk/>
+            <pc:sldMk cId="1675879901" sldId="259"/>
+            <ac:picMk id="8" creationId="{7CC516A7-1158-FD6A-B653-B67D2E955B2A}"/>
+          </ac:picMkLst>
+        </pc:picChg>
+        <pc:picChg chg="add del mod">
+          <ac:chgData name="Kristóf Pajor" userId="54ae5f80e4684dd4" providerId="LiveId" clId="{22D7F7E2-A621-4B1A-B75F-5EE78B3ED57F}" dt="2024-11-07T11:12:25.330" v="282" actId="22"/>
+          <ac:picMkLst>
+            <pc:docMk/>
+            <pc:sldMk cId="1675879901" sldId="259"/>
+            <ac:picMk id="10" creationId="{65ACBB60-A7CC-DFE4-89A4-F81D77480004}"/>
+          </ac:picMkLst>
+        </pc:picChg>
+        <pc:picChg chg="add del">
+          <ac:chgData name="Kristóf Pajor" userId="54ae5f80e4684dd4" providerId="LiveId" clId="{22D7F7E2-A621-4B1A-B75F-5EE78B3ED57F}" dt="2024-11-07T11:12:37.858" v="291" actId="22"/>
+          <ac:picMkLst>
+            <pc:docMk/>
+            <pc:sldMk cId="1675879901" sldId="259"/>
+            <ac:picMk id="12" creationId="{ADA86CC6-E9FC-CB1C-DA7C-D794AC1AFDBA}"/>
+          </ac:picMkLst>
+        </pc:picChg>
+        <pc:picChg chg="add del mod">
+          <ac:chgData name="Kristóf Pajor" userId="54ae5f80e4684dd4" providerId="LiveId" clId="{22D7F7E2-A621-4B1A-B75F-5EE78B3ED57F}" dt="2024-11-07T11:16:20.461" v="295" actId="22"/>
+          <ac:picMkLst>
+            <pc:docMk/>
+            <pc:sldMk cId="1675879901" sldId="259"/>
+            <ac:picMk id="14" creationId="{AB5CAF70-6B49-FC15-3239-E4746F813CA6}"/>
+          </ac:picMkLst>
+        </pc:picChg>
+      </pc:sldChg>
+      <pc:sldChg chg="new del ord">
+        <pc:chgData name="Kristóf Pajor" userId="54ae5f80e4684dd4" providerId="LiveId" clId="{22D7F7E2-A621-4B1A-B75F-5EE78B3ED57F}" dt="2024-11-07T10:57:17.690" v="155" actId="2696"/>
+        <pc:sldMkLst>
+          <pc:docMk/>
+          <pc:sldMk cId="1907284634" sldId="262"/>
+        </pc:sldMkLst>
+      </pc:sldChg>
+      <pc:sldChg chg="add setBg">
+        <pc:chgData name="Kristóf Pajor" userId="54ae5f80e4684dd4" providerId="LiveId" clId="{22D7F7E2-A621-4B1A-B75F-5EE78B3ED57F}" dt="2024-11-07T10:57:26.100" v="156"/>
+        <pc:sldMkLst>
+          <pc:docMk/>
+          <pc:sldMk cId="1972796747" sldId="263"/>
+        </pc:sldMkLst>
+      </pc:sldChg>
+      <pc:sldChg chg="addSp delSp modSp add mod modTransition">
+        <pc:chgData name="Kristóf Pajor" userId="54ae5f80e4684dd4" providerId="LiveId" clId="{22D7F7E2-A621-4B1A-B75F-5EE78B3ED57F}" dt="2024-11-07T20:11:43.574" v="1015" actId="1076"/>
+        <pc:sldMkLst>
+          <pc:docMk/>
+          <pc:sldMk cId="1955840005" sldId="264"/>
+        </pc:sldMkLst>
+        <pc:spChg chg="add del mod">
+          <ac:chgData name="Kristóf Pajor" userId="54ae5f80e4684dd4" providerId="LiveId" clId="{22D7F7E2-A621-4B1A-B75F-5EE78B3ED57F}" dt="2024-11-07T11:31:30.935" v="318" actId="478"/>
+          <ac:spMkLst>
+            <pc:docMk/>
+            <pc:sldMk cId="1955840005" sldId="264"/>
+            <ac:spMk id="5" creationId="{DD738903-C2F1-0C65-9F72-C26AF0C909D8}"/>
+          </ac:spMkLst>
+        </pc:spChg>
+        <pc:spChg chg="mod">
+          <ac:chgData name="Kristóf Pajor" userId="54ae5f80e4684dd4" providerId="LiveId" clId="{22D7F7E2-A621-4B1A-B75F-5EE78B3ED57F}" dt="2024-11-07T11:27:36.209" v="298" actId="164"/>
+          <ac:spMkLst>
+            <pc:docMk/>
+            <pc:sldMk cId="1955840005" sldId="264"/>
+            <ac:spMk id="7" creationId="{4099352E-F0F2-FCA1-0775-FDE127411ECE}"/>
+          </ac:spMkLst>
+        </pc:spChg>
+        <pc:spChg chg="add del mod">
+          <ac:chgData name="Kristóf Pajor" userId="54ae5f80e4684dd4" providerId="LiveId" clId="{22D7F7E2-A621-4B1A-B75F-5EE78B3ED57F}" dt="2024-11-07T19:43:13.887" v="628" actId="478"/>
+          <ac:spMkLst>
+            <pc:docMk/>
+            <pc:sldMk cId="1955840005" sldId="264"/>
+            <ac:spMk id="8" creationId="{5332FC92-57E1-D5A7-58E9-A8B6ACA496FB}"/>
+          </ac:spMkLst>
+        </pc:spChg>
+        <pc:spChg chg="add mod">
+          <ac:chgData name="Kristóf Pajor" userId="54ae5f80e4684dd4" providerId="LiveId" clId="{22D7F7E2-A621-4B1A-B75F-5EE78B3ED57F}" dt="2024-11-07T19:41:24.155" v="431" actId="1076"/>
+          <ac:spMkLst>
+            <pc:docMk/>
+            <pc:sldMk cId="1955840005" sldId="264"/>
+            <ac:spMk id="9" creationId="{A969CD22-91E5-F14C-0852-5E3BBBEF5572}"/>
+          </ac:spMkLst>
+        </pc:spChg>
+        <pc:spChg chg="add del mod">
+          <ac:chgData name="Kristóf Pajor" userId="54ae5f80e4684dd4" providerId="LiveId" clId="{22D7F7E2-A621-4B1A-B75F-5EE78B3ED57F}" dt="2024-11-07T19:43:13.181" v="627" actId="478"/>
+          <ac:spMkLst>
+            <pc:docMk/>
+            <pc:sldMk cId="1955840005" sldId="264"/>
+            <ac:spMk id="10" creationId="{7DCDF054-5384-211D-D456-8872B77A9C8C}"/>
+          </ac:spMkLst>
+        </pc:spChg>
+        <pc:spChg chg="mod">
+          <ac:chgData name="Kristóf Pajor" userId="54ae5f80e4684dd4" providerId="LiveId" clId="{22D7F7E2-A621-4B1A-B75F-5EE78B3ED57F}" dt="2024-11-07T19:38:15.437" v="383" actId="1076"/>
+          <ac:spMkLst>
+            <pc:docMk/>
+            <pc:sldMk cId="1955840005" sldId="264"/>
+            <ac:spMk id="11" creationId="{4ABEB4DA-0781-5A77-5984-154FB6886D26}"/>
+          </ac:spMkLst>
+        </pc:spChg>
+        <pc:spChg chg="add del mod">
+          <ac:chgData name="Kristóf Pajor" userId="54ae5f80e4684dd4" providerId="LiveId" clId="{22D7F7E2-A621-4B1A-B75F-5EE78B3ED57F}" dt="2024-11-07T19:43:12.279" v="626" actId="478"/>
+          <ac:spMkLst>
+            <pc:docMk/>
+            <pc:sldMk cId="1955840005" sldId="264"/>
+            <ac:spMk id="12" creationId="{AFFE39BB-1772-45E7-E3B3-10D08081284F}"/>
+          </ac:spMkLst>
+        </pc:spChg>
+        <pc:spChg chg="add mod">
+          <ac:chgData name="Kristóf Pajor" userId="54ae5f80e4684dd4" providerId="LiveId" clId="{22D7F7E2-A621-4B1A-B75F-5EE78B3ED57F}" dt="2024-11-07T20:02:42.862" v="965" actId="20577"/>
+          <ac:spMkLst>
+            <pc:docMk/>
+            <pc:sldMk cId="1955840005" sldId="264"/>
+            <ac:spMk id="13" creationId="{01CC63A0-6102-9D2F-BEB2-73B1853DE97E}"/>
+          </ac:spMkLst>
+        </pc:spChg>
+        <pc:spChg chg="add del mod ord">
+          <ac:chgData name="Kristóf Pajor" userId="54ae5f80e4684dd4" providerId="LiveId" clId="{22D7F7E2-A621-4B1A-B75F-5EE78B3ED57F}" dt="2024-11-07T19:51:10.294" v="954" actId="207"/>
+          <ac:spMkLst>
+            <pc:docMk/>
+            <pc:sldMk cId="1955840005" sldId="264"/>
+            <ac:spMk id="14" creationId="{6CE0D3AB-3B2C-AFD0-D85C-6F63B4F4D27F}"/>
+          </ac:spMkLst>
+        </pc:spChg>
+        <pc:spChg chg="add mod">
+          <ac:chgData name="Kristóf Pajor" userId="54ae5f80e4684dd4" providerId="LiveId" clId="{22D7F7E2-A621-4B1A-B75F-5EE78B3ED57F}" dt="2024-11-07T19:51:20.921" v="955" actId="207"/>
+          <ac:spMkLst>
+            <pc:docMk/>
+            <pc:sldMk cId="1955840005" sldId="264"/>
+            <ac:spMk id="15" creationId="{F6572070-50FF-FA45-6B29-F61253CE54F6}"/>
+          </ac:spMkLst>
+        </pc:spChg>
+        <pc:spChg chg="add mod">
+          <ac:chgData name="Kristóf Pajor" userId="54ae5f80e4684dd4" providerId="LiveId" clId="{22D7F7E2-A621-4B1A-B75F-5EE78B3ED57F}" dt="2024-11-07T20:11:43.574" v="1015" actId="1076"/>
+          <ac:spMkLst>
+            <pc:docMk/>
+            <pc:sldMk cId="1955840005" sldId="264"/>
+            <ac:spMk id="16" creationId="{EE3CFDDD-573C-E5B0-E715-B228C2D2B21C}"/>
+          </ac:spMkLst>
+        </pc:spChg>
+        <pc:spChg chg="add del mod">
+          <ac:chgData name="Kristóf Pajor" userId="54ae5f80e4684dd4" providerId="LiveId" clId="{22D7F7E2-A621-4B1A-B75F-5EE78B3ED57F}" dt="2024-11-07T19:50:53.673" v="951" actId="478"/>
+          <ac:spMkLst>
+            <pc:docMk/>
+            <pc:sldMk cId="1955840005" sldId="264"/>
+            <ac:spMk id="17" creationId="{34A9E975-B082-C923-0E5A-8532C0CD613D}"/>
+          </ac:spMkLst>
+        </pc:spChg>
+        <pc:spChg chg="add mod">
+          <ac:chgData name="Kristóf Pajor" userId="54ae5f80e4684dd4" providerId="LiveId" clId="{22D7F7E2-A621-4B1A-B75F-5EE78B3ED57F}" dt="2024-11-07T20:04:08.477" v="1014" actId="1076"/>
+          <ac:spMkLst>
+            <pc:docMk/>
+            <pc:sldMk cId="1955840005" sldId="264"/>
+            <ac:spMk id="18" creationId="{5FFA5ECB-8282-E602-2B67-F0A8E208C767}"/>
+          </ac:spMkLst>
+        </pc:spChg>
+        <pc:grpChg chg="add mod">
+          <ac:chgData name="Kristóf Pajor" userId="54ae5f80e4684dd4" providerId="LiveId" clId="{22D7F7E2-A621-4B1A-B75F-5EE78B3ED57F}" dt="2024-11-07T19:37:36.905" v="377" actId="14100"/>
+          <ac:grpSpMkLst>
+            <pc:docMk/>
+            <pc:sldMk cId="1955840005" sldId="264"/>
+            <ac:grpSpMk id="4" creationId="{81CF4D03-75CE-06AC-A9F0-0FF808F4FE54}"/>
+          </ac:grpSpMkLst>
+        </pc:grpChg>
+      </pc:sldChg>
+      <pc:sldChg chg="add del">
+        <pc:chgData name="Kristóf Pajor" userId="54ae5f80e4684dd4" providerId="LiveId" clId="{22D7F7E2-A621-4B1A-B75F-5EE78B3ED57F}" dt="2024-11-07T11:12:30.442" v="288" actId="2890"/>
+        <pc:sldMkLst>
+          <pc:docMk/>
+          <pc:sldMk cId="3361186579" sldId="264"/>
+        </pc:sldMkLst>
+      </pc:sldChg>
+      <pc:sldChg chg="modSp add mod">
+        <pc:chgData name="Kristóf Pajor" userId="54ae5f80e4684dd4" providerId="LiveId" clId="{22D7F7E2-A621-4B1A-B75F-5EE78B3ED57F}" dt="2024-11-07T19:51:50.438" v="962" actId="1076"/>
+        <pc:sldMkLst>
+          <pc:docMk/>
+          <pc:sldMk cId="4070386872" sldId="265"/>
+        </pc:sldMkLst>
+        <pc:spChg chg="mod ord">
+          <ac:chgData name="Kristóf Pajor" userId="54ae5f80e4684dd4" providerId="LiveId" clId="{22D7F7E2-A621-4B1A-B75F-5EE78B3ED57F}" dt="2024-11-07T19:51:50.438" v="962" actId="1076"/>
+          <ac:spMkLst>
+            <pc:docMk/>
+            <pc:sldMk cId="4070386872" sldId="265"/>
+            <ac:spMk id="17" creationId="{7806A0FB-F78A-D52E-56F1-139F1D2FBB79}"/>
+          </ac:spMkLst>
+        </pc:spChg>
+      </pc:sldChg>
+    </pc:docChg>
+  </pc:docChgLst>
+</pc:chgInfo>
+</file>
+
 <file path=ppt/slideLayouts/slideLayout1.xml><?xml version="1.0" encoding="utf-8"?>
 <p:sldLayout xmlns:a="http://schemas.openxmlformats.org/drawingml/2006/main" xmlns:r="http://schemas.openxmlformats.org/officeDocument/2006/relationships" xmlns:p="http://schemas.openxmlformats.org/presentationml/2006/main" type="title" preserve="1">
   <p:cSld name="Címdia">
@@ -263,7 +705,7 @@
           <a:p>
             <a:fld id="{00C92F8A-A542-4291-B279-082C1BE77F87}" type="datetimeFigureOut">
               <a:rPr lang="hu-HU" smtClean="0"/>
-              <a:t>2024. 11. 02.</a:t>
+              <a:t>2024. 11. 07.</a:t>
             </a:fld>
             <a:endParaRPr lang="hu-HU"/>
           </a:p>
@@ -461,7 +903,7 @@
           <a:p>
             <a:fld id="{00C92F8A-A542-4291-B279-082C1BE77F87}" type="datetimeFigureOut">
               <a:rPr lang="hu-HU" smtClean="0"/>
-              <a:t>2024. 11. 02.</a:t>
+              <a:t>2024. 11. 07.</a:t>
             </a:fld>
             <a:endParaRPr lang="hu-HU"/>
           </a:p>
@@ -669,7 +1111,7 @@
           <a:p>
             <a:fld id="{00C92F8A-A542-4291-B279-082C1BE77F87}" type="datetimeFigureOut">
               <a:rPr lang="hu-HU" smtClean="0"/>
-              <a:t>2024. 11. 02.</a:t>
+              <a:t>2024. 11. 07.</a:t>
             </a:fld>
             <a:endParaRPr lang="hu-HU"/>
           </a:p>
@@ -867,7 +1309,7 @@
           <a:p>
             <a:fld id="{00C92F8A-A542-4291-B279-082C1BE77F87}" type="datetimeFigureOut">
               <a:rPr lang="hu-HU" smtClean="0"/>
-              <a:t>2024. 11. 02.</a:t>
+              <a:t>2024. 11. 07.</a:t>
             </a:fld>
             <a:endParaRPr lang="hu-HU"/>
           </a:p>
@@ -1142,7 +1584,7 @@
           <a:p>
             <a:fld id="{00C92F8A-A542-4291-B279-082C1BE77F87}" type="datetimeFigureOut">
               <a:rPr lang="hu-HU" smtClean="0"/>
-              <a:t>2024. 11. 02.</a:t>
+              <a:t>2024. 11. 07.</a:t>
             </a:fld>
             <a:endParaRPr lang="hu-HU"/>
           </a:p>
@@ -1407,7 +1849,7 @@
           <a:p>
             <a:fld id="{00C92F8A-A542-4291-B279-082C1BE77F87}" type="datetimeFigureOut">
               <a:rPr lang="hu-HU" smtClean="0"/>
-              <a:t>2024. 11. 02.</a:t>
+              <a:t>2024. 11. 07.</a:t>
             </a:fld>
             <a:endParaRPr lang="hu-HU"/>
           </a:p>
@@ -1819,7 +2261,7 @@
           <a:p>
             <a:fld id="{00C92F8A-A542-4291-B279-082C1BE77F87}" type="datetimeFigureOut">
               <a:rPr lang="hu-HU" smtClean="0"/>
-              <a:t>2024. 11. 02.</a:t>
+              <a:t>2024. 11. 07.</a:t>
             </a:fld>
             <a:endParaRPr lang="hu-HU"/>
           </a:p>
@@ -1960,7 +2402,7 @@
           <a:p>
             <a:fld id="{00C92F8A-A542-4291-B279-082C1BE77F87}" type="datetimeFigureOut">
               <a:rPr lang="hu-HU" smtClean="0"/>
-              <a:t>2024. 11. 02.</a:t>
+              <a:t>2024. 11. 07.</a:t>
             </a:fld>
             <a:endParaRPr lang="hu-HU"/>
           </a:p>
@@ -2073,7 +2515,7 @@
           <a:p>
             <a:fld id="{00C92F8A-A542-4291-B279-082C1BE77F87}" type="datetimeFigureOut">
               <a:rPr lang="hu-HU" smtClean="0"/>
-              <a:t>2024. 11. 02.</a:t>
+              <a:t>2024. 11. 07.</a:t>
             </a:fld>
             <a:endParaRPr lang="hu-HU"/>
           </a:p>
@@ -2384,7 +2826,7 @@
           <a:p>
             <a:fld id="{00C92F8A-A542-4291-B279-082C1BE77F87}" type="datetimeFigureOut">
               <a:rPr lang="hu-HU" smtClean="0"/>
-              <a:t>2024. 11. 02.</a:t>
+              <a:t>2024. 11. 07.</a:t>
             </a:fld>
             <a:endParaRPr lang="hu-HU"/>
           </a:p>
@@ -2672,7 +3114,7 @@
           <a:p>
             <a:fld id="{00C92F8A-A542-4291-B279-082C1BE77F87}" type="datetimeFigureOut">
               <a:rPr lang="hu-HU" smtClean="0"/>
-              <a:t>2024. 11. 02.</a:t>
+              <a:t>2024. 11. 07.</a:t>
             </a:fld>
             <a:endParaRPr lang="hu-HU"/>
           </a:p>
@@ -2913,7 +3355,7 @@
           <a:p>
             <a:fld id="{00C92F8A-A542-4291-B279-082C1BE77F87}" type="datetimeFigureOut">
               <a:rPr lang="hu-HU" smtClean="0"/>
-              <a:t>2024. 11. 02.</a:t>
+              <a:t>2024. 11. 07.</a:t>
             </a:fld>
             <a:endParaRPr lang="hu-HU"/>
           </a:p>
@@ -3318,13 +3760,140 @@
   <p:cSld>
     <p:bg>
       <p:bgPr>
+        <a:solidFill>
+          <a:schemeClr val="tx1"/>
+        </a:solidFill>
+        <a:effectLst/>
+      </p:bgPr>
+    </p:bg>
+    <p:spTree>
+      <p:nvGrpSpPr>
+        <p:cNvPr id="1" name="">
+          <a:extLst>
+            <a:ext uri="{FF2B5EF4-FFF2-40B4-BE49-F238E27FC236}">
+              <a16:creationId xmlns:a16="http://schemas.microsoft.com/office/drawing/2014/main" id="{2B72F221-1EBB-46A8-D1A3-9812D493918F}"/>
+            </a:ext>
+          </a:extLst>
+        </p:cNvPr>
+        <p:cNvGrpSpPr/>
+        <p:nvPr/>
+      </p:nvGrpSpPr>
+      <p:grpSpPr>
+        <a:xfrm>
+          <a:off x="0" y="0"/>
+          <a:ext cx="0" cy="0"/>
+          <a:chOff x="0" y="0"/>
+          <a:chExt cx="0" cy="0"/>
+        </a:xfrm>
+      </p:grpSpPr>
+      <p:pic>
+        <p:nvPicPr>
+          <p:cNvPr id="6" name="Kép 5" descr="A képen szöveg, Grafika, Betűtípus, szimbólum látható&#10;&#10;Automatikusan generált leírás">
+            <a:extLst>
+              <a:ext uri="{FF2B5EF4-FFF2-40B4-BE49-F238E27FC236}">
+                <a16:creationId xmlns:a16="http://schemas.microsoft.com/office/drawing/2014/main" id="{E0F87B7B-8B09-3E0C-82B0-A10BB024406D}"/>
+              </a:ext>
+            </a:extLst>
+          </p:cNvPr>
+          <p:cNvPicPr>
+            <a:picLocks noChangeAspect="1"/>
+          </p:cNvPicPr>
+          <p:nvPr/>
+        </p:nvPicPr>
+        <p:blipFill rotWithShape="1">
+          <a:blip r:embed="rId2">
+            <a:extLst>
+              <a:ext uri="{28A0092B-C50C-407E-A947-70E740481C1C}">
+                <a14:useLocalDpi xmlns:a14="http://schemas.microsoft.com/office/drawing/2010/main" val="0"/>
+              </a:ext>
+            </a:extLst>
+          </a:blip>
+          <a:srcRect l="22826" t="21117" r="22826" b="25377"/>
+          <a:stretch/>
+        </p:blipFill>
+        <p:spPr>
+          <a:xfrm>
+            <a:off x="3086100" y="1762124"/>
+            <a:ext cx="6019800" cy="3333750"/>
+          </a:xfrm>
+          <a:prstGeom prst="rect">
+            <a:avLst/>
+          </a:prstGeom>
+        </p:spPr>
+      </p:pic>
+      <p:pic>
+        <p:nvPicPr>
+          <p:cNvPr id="13" name="Kép 12" descr="A képen Betűtípus, Grafika, embléma, Grafikus tervezés látható&#10;&#10;Automatikusan generált leírás">
+            <a:extLst>
+              <a:ext uri="{FF2B5EF4-FFF2-40B4-BE49-F238E27FC236}">
+                <a16:creationId xmlns:a16="http://schemas.microsoft.com/office/drawing/2014/main" id="{B8C475FC-4FDF-FCB3-A4CD-F7F38E298D21}"/>
+              </a:ext>
+            </a:extLst>
+          </p:cNvPr>
+          <p:cNvPicPr>
+            <a:picLocks noChangeAspect="1"/>
+          </p:cNvPicPr>
+          <p:nvPr/>
+        </p:nvPicPr>
+        <p:blipFill>
+          <a:blip r:embed="rId3">
+            <a:extLst>
+              <a:ext uri="{28A0092B-C50C-407E-A947-70E740481C1C}">
+                <a14:useLocalDpi xmlns:a14="http://schemas.microsoft.com/office/drawing/2010/main" val="0"/>
+              </a:ext>
+            </a:extLst>
+          </a:blip>
+          <a:stretch>
+            <a:fillRect/>
+          </a:stretch>
+        </p:blipFill>
+        <p:spPr>
+          <a:xfrm>
+            <a:off x="18151046" y="1409273"/>
+            <a:ext cx="6369908" cy="4039455"/>
+          </a:xfrm>
+          <a:prstGeom prst="rect">
+            <a:avLst/>
+          </a:prstGeom>
+        </p:spPr>
+      </p:pic>
+    </p:spTree>
+    <p:extLst>
+      <p:ext uri="{BB962C8B-B14F-4D97-AF65-F5344CB8AC3E}">
+        <p14:creationId xmlns:p14="http://schemas.microsoft.com/office/powerpoint/2010/main" val="1972796747"/>
+      </p:ext>
+    </p:extLst>
+  </p:cSld>
+  <p:clrMapOvr>
+    <a:masterClrMapping/>
+  </p:clrMapOvr>
+  <mc:AlternateContent xmlns:mc="http://schemas.openxmlformats.org/markup-compatibility/2006" xmlns:p159="http://schemas.microsoft.com/office/powerpoint/2015/09/main">
+    <mc:Choice Requires="p159">
+      <p:transition spd="slow">
+        <p159:morph option="byObject"/>
+      </p:transition>
+    </mc:Choice>
+    <mc:Fallback xmlns="">
+      <p:transition spd="slow">
+        <p:fade/>
+      </p:transition>
+    </mc:Fallback>
+  </mc:AlternateContent>
+</p:sld>
+</file>
+
+<file path=ppt/slides/slide2.xml><?xml version="1.0" encoding="utf-8"?>
+<p:sld xmlns:a="http://schemas.openxmlformats.org/drawingml/2006/main" xmlns:r="http://schemas.openxmlformats.org/officeDocument/2006/relationships" xmlns:p="http://schemas.openxmlformats.org/presentationml/2006/main">
+  <p:cSld>
+    <p:bg>
+      <p:bgPr>
         <a:blipFill dpi="0" rotWithShape="1">
           <a:blip r:embed="rId2">
             <a:lum/>
           </a:blip>
           <a:srcRect/>
           <a:stretch>
-            <a:fillRect t="-37000" b="-37000"/>
+            <a:fillRect/>
           </a:stretch>
         </a:blipFill>
         <a:effectLst/>
@@ -3409,6 +3978,368 @@
           </a:p>
         </p:txBody>
       </p:sp>
+      <p:pic>
+        <p:nvPicPr>
+          <p:cNvPr id="6" name="Kép 5" descr="A képen felhő, ég, fa, kültéri látható&#10;&#10;Automatikusan generált leírás">
+            <a:extLst>
+              <a:ext uri="{FF2B5EF4-FFF2-40B4-BE49-F238E27FC236}">
+                <a16:creationId xmlns:a16="http://schemas.microsoft.com/office/drawing/2014/main" id="{17AF18FB-5F7E-00A3-B253-55C4264872FC}"/>
+              </a:ext>
+            </a:extLst>
+          </p:cNvPr>
+          <p:cNvPicPr>
+            <a:picLocks noChangeAspect="1"/>
+          </p:cNvPicPr>
+          <p:nvPr/>
+        </p:nvPicPr>
+        <p:blipFill>
+          <a:blip r:embed="rId3">
+            <a:extLst>
+              <a:ext uri="{28A0092B-C50C-407E-A947-70E740481C1C}">
+                <a14:useLocalDpi xmlns:a14="http://schemas.microsoft.com/office/drawing/2010/main" val="0"/>
+              </a:ext>
+            </a:extLst>
+          </a:blip>
+          <a:srcRect t="21351" b="21350"/>
+          <a:stretch/>
+        </p:blipFill>
+        <p:spPr>
+          <a:xfrm>
+            <a:off x="-44351" y="14514"/>
+            <a:ext cx="12280702" cy="6858000"/>
+          </a:xfrm>
+          <a:prstGeom prst="rect">
+            <a:avLst/>
+          </a:prstGeom>
+        </p:spPr>
+      </p:pic>
+      <p:grpSp>
+        <p:nvGrpSpPr>
+          <p:cNvPr id="12" name="Csoportba foglalás 11">
+            <a:extLst>
+              <a:ext uri="{FF2B5EF4-FFF2-40B4-BE49-F238E27FC236}">
+                <a16:creationId xmlns:a16="http://schemas.microsoft.com/office/drawing/2014/main" id="{D4E6FAF4-FA0E-861D-2E7B-27D01243C1CF}"/>
+              </a:ext>
+            </a:extLst>
+          </p:cNvPr>
+          <p:cNvGrpSpPr/>
+          <p:nvPr/>
+        </p:nvGrpSpPr>
+        <p:grpSpPr>
+          <a:xfrm>
+            <a:off x="2532743" y="1294833"/>
+            <a:ext cx="7126513" cy="4297362"/>
+            <a:chOff x="2532743" y="1294833"/>
+            <a:chExt cx="7126513" cy="4297362"/>
+          </a:xfrm>
+        </p:grpSpPr>
+        <p:sp useBgFill="1">
+          <p:nvSpPr>
+            <p:cNvPr id="7" name="Téglalap: lekerekített 6">
+              <a:extLst>
+                <a:ext uri="{FF2B5EF4-FFF2-40B4-BE49-F238E27FC236}">
+                  <a16:creationId xmlns:a16="http://schemas.microsoft.com/office/drawing/2014/main" id="{ED1FF2B1-F176-3BAC-76D5-67D770DC1B91}"/>
+                </a:ext>
+              </a:extLst>
+            </p:cNvPr>
+            <p:cNvSpPr/>
+            <p:nvPr/>
+          </p:nvSpPr>
+          <p:spPr>
+            <a:xfrm>
+              <a:off x="2532743" y="1294833"/>
+              <a:ext cx="7126513" cy="4297362"/>
+            </a:xfrm>
+            <a:prstGeom prst="roundRect">
+              <a:avLst/>
+            </a:prstGeom>
+            <a:ln>
+              <a:solidFill>
+                <a:schemeClr val="accent1">
+                  <a:shade val="15000"/>
+                </a:schemeClr>
+              </a:solidFill>
+            </a:ln>
+          </p:spPr>
+          <p:style>
+            <a:lnRef idx="2">
+              <a:schemeClr val="accent1">
+                <a:shade val="15000"/>
+              </a:schemeClr>
+            </a:lnRef>
+            <a:fillRef idx="1">
+              <a:schemeClr val="accent1"/>
+            </a:fillRef>
+            <a:effectRef idx="0">
+              <a:schemeClr val="accent1"/>
+            </a:effectRef>
+            <a:fontRef idx="minor">
+              <a:schemeClr val="lt1"/>
+            </a:fontRef>
+          </p:style>
+          <p:txBody>
+            <a:bodyPr rtlCol="0" anchor="ctr"/>
+            <a:lstStyle/>
+            <a:p>
+              <a:pPr algn="ctr"/>
+              <a:endParaRPr lang="hu-HU"/>
+            </a:p>
+          </p:txBody>
+        </p:sp>
+        <p:sp>
+          <p:nvSpPr>
+            <p:cNvPr id="11" name="Szövegdoboz 10">
+              <a:extLst>
+                <a:ext uri="{FF2B5EF4-FFF2-40B4-BE49-F238E27FC236}">
+                  <a16:creationId xmlns:a16="http://schemas.microsoft.com/office/drawing/2014/main" id="{85981D3A-935D-6E1B-94A5-69B2B98849DC}"/>
+                </a:ext>
+              </a:extLst>
+            </p:cNvPr>
+            <p:cNvSpPr txBox="1"/>
+            <p:nvPr/>
+          </p:nvSpPr>
+          <p:spPr>
+            <a:xfrm>
+              <a:off x="4201885" y="3105834"/>
+              <a:ext cx="3788228" cy="646331"/>
+            </a:xfrm>
+            <a:prstGeom prst="rect">
+              <a:avLst/>
+            </a:prstGeom>
+            <a:noFill/>
+          </p:spPr>
+          <p:txBody>
+            <a:bodyPr wrap="square" rtlCol="0">
+              <a:spAutoFit/>
+            </a:bodyPr>
+            <a:lstStyle/>
+            <a:p>
+              <a:r>
+                <a:rPr lang="hu-HU" sz="3600" b="1" i="0" u="none" strike="noStrike" dirty="0" err="1">
+                  <a:ln w="3175">
+                    <a:solidFill>
+                      <a:schemeClr val="tx1"/>
+                    </a:solidFill>
+                  </a:ln>
+                  <a:solidFill>
+                    <a:schemeClr val="bg1"/>
+                  </a:solidFill>
+                  <a:effectLst/>
+                  <a:latin typeface="-apple-system"/>
+                </a:rPr>
+                <a:t>Beyond</a:t>
+              </a:r>
+              <a:r>
+                <a:rPr lang="hu-HU" sz="3600" b="1" i="0" u="none" strike="noStrike" dirty="0">
+                  <a:ln w="3175">
+                    <a:solidFill>
+                      <a:schemeClr val="tx1"/>
+                    </a:solidFill>
+                  </a:ln>
+                  <a:solidFill>
+                    <a:schemeClr val="bg1"/>
+                  </a:solidFill>
+                  <a:effectLst/>
+                  <a:latin typeface="-apple-system"/>
+                </a:rPr>
+                <a:t> The </a:t>
+              </a:r>
+              <a:r>
+                <a:rPr lang="hu-HU" sz="3600" b="1" i="0" u="none" strike="noStrike" dirty="0" err="1">
+                  <a:ln w="3175">
+                    <a:solidFill>
+                      <a:schemeClr val="tx1"/>
+                    </a:solidFill>
+                  </a:ln>
+                  <a:solidFill>
+                    <a:schemeClr val="bg1"/>
+                  </a:solidFill>
+                  <a:effectLst/>
+                  <a:latin typeface="-apple-system"/>
+                </a:rPr>
+                <a:t>Blocks</a:t>
+              </a:r>
+              <a:endParaRPr lang="hu-HU" sz="3600" b="1" i="0" u="none" strike="noStrike" dirty="0">
+                <a:ln w="3175">
+                  <a:solidFill>
+                    <a:schemeClr val="tx1"/>
+                  </a:solidFill>
+                </a:ln>
+                <a:solidFill>
+                  <a:schemeClr val="bg1"/>
+                </a:solidFill>
+                <a:effectLst/>
+                <a:latin typeface="-apple-system"/>
+              </a:endParaRPr>
+            </a:p>
+          </p:txBody>
+        </p:sp>
+      </p:grpSp>
+      <p:sp>
+        <p:nvSpPr>
+          <p:cNvPr id="14" name="Beszédbuborék: négyszög 13">
+            <a:extLst>
+              <a:ext uri="{FF2B5EF4-FFF2-40B4-BE49-F238E27FC236}">
+                <a16:creationId xmlns:a16="http://schemas.microsoft.com/office/drawing/2014/main" id="{A4537974-1844-C010-6E2C-061216E4B6D5}"/>
+              </a:ext>
+            </a:extLst>
+          </p:cNvPr>
+          <p:cNvSpPr/>
+          <p:nvPr/>
+        </p:nvSpPr>
+        <p:spPr>
+          <a:xfrm rot="16200000" flipH="1">
+            <a:off x="-10134611" y="-1989587"/>
+            <a:ext cx="6923314" cy="10834914"/>
+          </a:xfrm>
+          <a:prstGeom prst="wedgeRectCallout">
+            <a:avLst>
+              <a:gd name="adj1" fmla="val -31734"/>
+              <a:gd name="adj2" fmla="val 53364"/>
+            </a:avLst>
+          </a:prstGeom>
+          <a:solidFill>
+            <a:schemeClr val="accent1">
+              <a:lumMod val="60000"/>
+              <a:lumOff val="40000"/>
+            </a:schemeClr>
+          </a:solidFill>
+        </p:spPr>
+        <p:style>
+          <a:lnRef idx="2">
+            <a:schemeClr val="accent1">
+              <a:shade val="15000"/>
+            </a:schemeClr>
+          </a:lnRef>
+          <a:fillRef idx="1">
+            <a:schemeClr val="accent1"/>
+          </a:fillRef>
+          <a:effectRef idx="0">
+            <a:schemeClr val="accent1"/>
+          </a:effectRef>
+          <a:fontRef idx="minor">
+            <a:schemeClr val="lt1"/>
+          </a:fontRef>
+        </p:style>
+        <p:txBody>
+          <a:bodyPr rtlCol="0" anchor="ctr"/>
+          <a:lstStyle/>
+          <a:p>
+            <a:pPr algn="ctr"/>
+            <a:endParaRPr lang="hu-HU"/>
+          </a:p>
+        </p:txBody>
+      </p:sp>
+      <p:sp>
+        <p:nvSpPr>
+          <p:cNvPr id="15" name="Beszédbuborék: négyszög 14">
+            <a:extLst>
+              <a:ext uri="{FF2B5EF4-FFF2-40B4-BE49-F238E27FC236}">
+                <a16:creationId xmlns:a16="http://schemas.microsoft.com/office/drawing/2014/main" id="{25CB45B9-EA78-2632-0C15-68C8ADCC8093}"/>
+              </a:ext>
+            </a:extLst>
+          </p:cNvPr>
+          <p:cNvSpPr/>
+          <p:nvPr/>
+        </p:nvSpPr>
+        <p:spPr>
+          <a:xfrm rot="16200000" flipH="1">
+            <a:off x="-10475698" y="-1982329"/>
+            <a:ext cx="6923314" cy="10834914"/>
+          </a:xfrm>
+          <a:prstGeom prst="wedgeRectCallout">
+            <a:avLst>
+              <a:gd name="adj1" fmla="val -31734"/>
+              <a:gd name="adj2" fmla="val 53364"/>
+            </a:avLst>
+          </a:prstGeom>
+          <a:solidFill>
+            <a:schemeClr val="accent1">
+              <a:lumMod val="40000"/>
+              <a:lumOff val="60000"/>
+            </a:schemeClr>
+          </a:solidFill>
+        </p:spPr>
+        <p:style>
+          <a:lnRef idx="2">
+            <a:schemeClr val="accent1">
+              <a:shade val="15000"/>
+            </a:schemeClr>
+          </a:lnRef>
+          <a:fillRef idx="1">
+            <a:schemeClr val="accent1"/>
+          </a:fillRef>
+          <a:effectRef idx="0">
+            <a:schemeClr val="accent1"/>
+          </a:effectRef>
+          <a:fontRef idx="minor">
+            <a:schemeClr val="lt1"/>
+          </a:fontRef>
+        </p:style>
+        <p:txBody>
+          <a:bodyPr rtlCol="0" anchor="ctr"/>
+          <a:lstStyle/>
+          <a:p>
+            <a:pPr algn="ctr"/>
+            <a:endParaRPr lang="hu-HU"/>
+          </a:p>
+        </p:txBody>
+      </p:sp>
+      <p:sp>
+        <p:nvSpPr>
+          <p:cNvPr id="16" name="Beszédbuborék: négyszög 15">
+            <a:extLst>
+              <a:ext uri="{FF2B5EF4-FFF2-40B4-BE49-F238E27FC236}">
+                <a16:creationId xmlns:a16="http://schemas.microsoft.com/office/drawing/2014/main" id="{CE6AEBF4-85AC-140E-F225-72F7F80F3FFF}"/>
+              </a:ext>
+            </a:extLst>
+          </p:cNvPr>
+          <p:cNvSpPr/>
+          <p:nvPr/>
+        </p:nvSpPr>
+        <p:spPr>
+          <a:xfrm rot="16200000" flipH="1">
+            <a:off x="-10816786" y="-1975071"/>
+            <a:ext cx="6923314" cy="10834914"/>
+          </a:xfrm>
+          <a:prstGeom prst="wedgeRectCallout">
+            <a:avLst>
+              <a:gd name="adj1" fmla="val -31734"/>
+              <a:gd name="adj2" fmla="val 53364"/>
+            </a:avLst>
+          </a:prstGeom>
+          <a:solidFill>
+            <a:schemeClr val="accent1">
+              <a:lumMod val="20000"/>
+              <a:lumOff val="80000"/>
+            </a:schemeClr>
+          </a:solidFill>
+        </p:spPr>
+        <p:style>
+          <a:lnRef idx="2">
+            <a:schemeClr val="accent1">
+              <a:shade val="15000"/>
+            </a:schemeClr>
+          </a:lnRef>
+          <a:fillRef idx="1">
+            <a:schemeClr val="accent1"/>
+          </a:fillRef>
+          <a:effectRef idx="0">
+            <a:schemeClr val="accent1"/>
+          </a:effectRef>
+          <a:fontRef idx="minor">
+            <a:schemeClr val="lt1"/>
+          </a:fontRef>
+        </p:style>
+        <p:txBody>
+          <a:bodyPr rtlCol="0" anchor="ctr"/>
+          <a:lstStyle/>
+          <a:p>
+            <a:pPr algn="ctr"/>
+            <a:endParaRPr lang="hu-HU"/>
+          </a:p>
+        </p:txBody>
+      </p:sp>
     </p:spTree>
     <p:extLst>
       <p:ext uri="{BB962C8B-B14F-4D97-AF65-F5344CB8AC3E}">
@@ -3419,10 +4350,786 @@
   <p:clrMapOvr>
     <a:masterClrMapping/>
   </p:clrMapOvr>
+  <mc:AlternateContent xmlns:mc="http://schemas.openxmlformats.org/markup-compatibility/2006">
+    <mc:Choice xmlns:p14="http://schemas.microsoft.com/office/powerpoint/2010/main" Requires="p14">
+      <p:transition spd="med" p14:dur="700">
+        <p:fade/>
+      </p:transition>
+    </mc:Choice>
+    <mc:Fallback>
+      <p:transition spd="med">
+        <p:fade/>
+      </p:transition>
+    </mc:Fallback>
+  </mc:AlternateContent>
 </p:sld>
 </file>
 
-<file path=ppt/slides/slide2.xml><?xml version="1.0" encoding="utf-8"?>
+<file path=ppt/slides/slide3.xml><?xml version="1.0" encoding="utf-8"?>
+<p:sld xmlns:a="http://schemas.openxmlformats.org/drawingml/2006/main" xmlns:r="http://schemas.openxmlformats.org/officeDocument/2006/relationships" xmlns:p="http://schemas.openxmlformats.org/presentationml/2006/main">
+  <p:cSld>
+    <p:bg>
+      <p:bgPr>
+        <a:blipFill dpi="0" rotWithShape="1">
+          <a:blip r:embed="rId2">
+            <a:lum/>
+          </a:blip>
+          <a:srcRect/>
+          <a:stretch>
+            <a:fillRect/>
+          </a:stretch>
+        </a:blipFill>
+        <a:effectLst/>
+      </p:bgPr>
+    </p:bg>
+    <p:spTree>
+      <p:nvGrpSpPr>
+        <p:cNvPr id="1" name="">
+          <a:extLst>
+            <a:ext uri="{FF2B5EF4-FFF2-40B4-BE49-F238E27FC236}">
+              <a16:creationId xmlns:a16="http://schemas.microsoft.com/office/drawing/2014/main" id="{B8DEAAD9-15F0-ECFF-DA39-9B29CE41DE9B}"/>
+            </a:ext>
+          </a:extLst>
+        </p:cNvPr>
+        <p:cNvGrpSpPr/>
+        <p:nvPr/>
+      </p:nvGrpSpPr>
+      <p:grpSpPr>
+        <a:xfrm>
+          <a:off x="0" y="0"/>
+          <a:ext cx="0" cy="0"/>
+          <a:chOff x="0" y="0"/>
+          <a:chExt cx="0" cy="0"/>
+        </a:xfrm>
+      </p:grpSpPr>
+      <p:sp>
+        <p:nvSpPr>
+          <p:cNvPr id="2" name="Cím 1">
+            <a:extLst>
+              <a:ext uri="{FF2B5EF4-FFF2-40B4-BE49-F238E27FC236}">
+                <a16:creationId xmlns:a16="http://schemas.microsoft.com/office/drawing/2014/main" id="{7B0E3E3B-E907-CC43-070D-D72F1E72E95B}"/>
+              </a:ext>
+            </a:extLst>
+          </p:cNvPr>
+          <p:cNvSpPr>
+            <a:spLocks noGrp="1"/>
+          </p:cNvSpPr>
+          <p:nvPr>
+            <p:ph type="ctrTitle"/>
+          </p:nvPr>
+        </p:nvSpPr>
+        <p:spPr/>
+        <p:txBody>
+          <a:bodyPr/>
+          <a:lstStyle/>
+          <a:p>
+            <a:r>
+              <a:rPr lang="hu-HU" dirty="0" err="1"/>
+              <a:t>Beyond</a:t>
+            </a:r>
+            <a:r>
+              <a:rPr lang="hu-HU" dirty="0"/>
+              <a:t> The </a:t>
+            </a:r>
+            <a:r>
+              <a:rPr lang="hu-HU" dirty="0" err="1"/>
+              <a:t>Blocks</a:t>
+            </a:r>
+            <a:endParaRPr lang="hu-HU" dirty="0"/>
+          </a:p>
+        </p:txBody>
+      </p:sp>
+      <p:sp>
+        <p:nvSpPr>
+          <p:cNvPr id="3" name="Alcím 2">
+            <a:extLst>
+              <a:ext uri="{FF2B5EF4-FFF2-40B4-BE49-F238E27FC236}">
+                <a16:creationId xmlns:a16="http://schemas.microsoft.com/office/drawing/2014/main" id="{9AC57502-2F8D-25ED-3CE2-CA61E1068DFE}"/>
+              </a:ext>
+            </a:extLst>
+          </p:cNvPr>
+          <p:cNvSpPr>
+            <a:spLocks noGrp="1"/>
+          </p:cNvSpPr>
+          <p:nvPr>
+            <p:ph type="subTitle" idx="1"/>
+          </p:nvPr>
+        </p:nvSpPr>
+        <p:spPr/>
+        <p:txBody>
+          <a:bodyPr/>
+          <a:lstStyle/>
+          <a:p>
+            <a:r>
+              <a:rPr lang="hu-HU" dirty="0"/>
+              <a:t>Korlátlanul csapat</a:t>
+            </a:r>
+          </a:p>
+        </p:txBody>
+      </p:sp>
+      <p:pic>
+        <p:nvPicPr>
+          <p:cNvPr id="6" name="Kép 5" descr="A képen felhő, ég, fa, kültéri látható&#10;&#10;Automatikusan generált leírás">
+            <a:extLst>
+              <a:ext uri="{FF2B5EF4-FFF2-40B4-BE49-F238E27FC236}">
+                <a16:creationId xmlns:a16="http://schemas.microsoft.com/office/drawing/2014/main" id="{9DBF09D0-72A0-B17F-1DEE-58EA49D0CE8F}"/>
+              </a:ext>
+            </a:extLst>
+          </p:cNvPr>
+          <p:cNvPicPr>
+            <a:picLocks noChangeAspect="1"/>
+          </p:cNvPicPr>
+          <p:nvPr/>
+        </p:nvPicPr>
+        <p:blipFill>
+          <a:blip r:embed="rId3">
+            <a:extLst>
+              <a:ext uri="{28A0092B-C50C-407E-A947-70E740481C1C}">
+                <a14:useLocalDpi xmlns:a14="http://schemas.microsoft.com/office/drawing/2010/main" val="0"/>
+              </a:ext>
+            </a:extLst>
+          </a:blip>
+          <a:srcRect t="21351" b="21350"/>
+          <a:stretch/>
+        </p:blipFill>
+        <p:spPr>
+          <a:xfrm>
+            <a:off x="-44351" y="14514"/>
+            <a:ext cx="12280702" cy="6858000"/>
+          </a:xfrm>
+          <a:prstGeom prst="rect">
+            <a:avLst/>
+          </a:prstGeom>
+        </p:spPr>
+      </p:pic>
+      <p:grpSp>
+        <p:nvGrpSpPr>
+          <p:cNvPr id="4" name="Csoportba foglalás 3">
+            <a:extLst>
+              <a:ext uri="{FF2B5EF4-FFF2-40B4-BE49-F238E27FC236}">
+                <a16:creationId xmlns:a16="http://schemas.microsoft.com/office/drawing/2014/main" id="{81CF4D03-75CE-06AC-A9F0-0FF808F4FE54}"/>
+              </a:ext>
+            </a:extLst>
+          </p:cNvPr>
+          <p:cNvGrpSpPr/>
+          <p:nvPr/>
+        </p:nvGrpSpPr>
+        <p:grpSpPr>
+          <a:xfrm>
+            <a:off x="10991347" y="96662"/>
+            <a:ext cx="921657" cy="6555641"/>
+            <a:chOff x="2532743" y="1292319"/>
+            <a:chExt cx="7126513" cy="4331793"/>
+          </a:xfrm>
+        </p:grpSpPr>
+        <p:sp useBgFill="1">
+          <p:nvSpPr>
+            <p:cNvPr id="7" name="Téglalap: lekerekített 6">
+              <a:extLst>
+                <a:ext uri="{FF2B5EF4-FFF2-40B4-BE49-F238E27FC236}">
+                  <a16:creationId xmlns:a16="http://schemas.microsoft.com/office/drawing/2014/main" id="{4099352E-F0F2-FCA1-0775-FDE127411ECE}"/>
+                </a:ext>
+              </a:extLst>
+            </p:cNvPr>
+            <p:cNvSpPr/>
+            <p:nvPr/>
+          </p:nvSpPr>
+          <p:spPr>
+            <a:xfrm>
+              <a:off x="2532743" y="1294833"/>
+              <a:ext cx="7126513" cy="4297362"/>
+            </a:xfrm>
+            <a:prstGeom prst="roundRect">
+              <a:avLst/>
+            </a:prstGeom>
+            <a:ln>
+              <a:solidFill>
+                <a:schemeClr val="accent1">
+                  <a:shade val="15000"/>
+                </a:schemeClr>
+              </a:solidFill>
+            </a:ln>
+          </p:spPr>
+          <p:style>
+            <a:lnRef idx="2">
+              <a:schemeClr val="accent1">
+                <a:shade val="15000"/>
+              </a:schemeClr>
+            </a:lnRef>
+            <a:fillRef idx="1">
+              <a:schemeClr val="accent1"/>
+            </a:fillRef>
+            <a:effectRef idx="0">
+              <a:schemeClr val="accent1"/>
+            </a:effectRef>
+            <a:fontRef idx="minor">
+              <a:schemeClr val="lt1"/>
+            </a:fontRef>
+          </p:style>
+          <p:txBody>
+            <a:bodyPr rtlCol="0" anchor="ctr"/>
+            <a:lstStyle/>
+            <a:p>
+              <a:pPr algn="ctr"/>
+              <a:endParaRPr lang="hu-HU"/>
+            </a:p>
+          </p:txBody>
+        </p:sp>
+        <p:sp>
+          <p:nvSpPr>
+            <p:cNvPr id="11" name="Szövegdoboz 10">
+              <a:extLst>
+                <a:ext uri="{FF2B5EF4-FFF2-40B4-BE49-F238E27FC236}">
+                  <a16:creationId xmlns:a16="http://schemas.microsoft.com/office/drawing/2014/main" id="{4ABEB4DA-0781-5A77-5984-154FB6886D26}"/>
+                </a:ext>
+              </a:extLst>
+            </p:cNvPr>
+            <p:cNvSpPr txBox="1"/>
+            <p:nvPr/>
+          </p:nvSpPr>
+          <p:spPr>
+            <a:xfrm>
+              <a:off x="4711314" y="1292319"/>
+              <a:ext cx="2672192" cy="4331793"/>
+            </a:xfrm>
+            <a:prstGeom prst="rect">
+              <a:avLst/>
+            </a:prstGeom>
+            <a:noFill/>
+          </p:spPr>
+          <p:txBody>
+            <a:bodyPr wrap="square" rtlCol="0">
+              <a:spAutoFit/>
+            </a:bodyPr>
+            <a:lstStyle/>
+            <a:p>
+              <a:r>
+                <a:rPr lang="hu-HU" sz="2800" b="1" i="0" u="none" strike="noStrike" dirty="0" err="1">
+                  <a:ln w="3175">
+                    <a:solidFill>
+                      <a:schemeClr val="tx1"/>
+                    </a:solidFill>
+                  </a:ln>
+                  <a:solidFill>
+                    <a:schemeClr val="bg1"/>
+                  </a:solidFill>
+                  <a:effectLst/>
+                  <a:latin typeface="-apple-system"/>
+                </a:rPr>
+                <a:t>Beyond</a:t>
+              </a:r>
+              <a:r>
+                <a:rPr lang="hu-HU" sz="2800" b="1" i="0" u="none" strike="noStrike" dirty="0">
+                  <a:ln w="3175">
+                    <a:solidFill>
+                      <a:schemeClr val="tx1"/>
+                    </a:solidFill>
+                  </a:ln>
+                  <a:solidFill>
+                    <a:schemeClr val="bg1"/>
+                  </a:solidFill>
+                  <a:effectLst/>
+                  <a:latin typeface="-apple-system"/>
+                </a:rPr>
+                <a:t> The </a:t>
+              </a:r>
+              <a:r>
+                <a:rPr lang="hu-HU" sz="2800" b="1" i="0" u="none" strike="noStrike" dirty="0" err="1">
+                  <a:ln w="3175">
+                    <a:solidFill>
+                      <a:schemeClr val="tx1"/>
+                    </a:solidFill>
+                  </a:ln>
+                  <a:solidFill>
+                    <a:schemeClr val="bg1"/>
+                  </a:solidFill>
+                  <a:effectLst/>
+                  <a:latin typeface="-apple-system"/>
+                </a:rPr>
+                <a:t>Blocks</a:t>
+              </a:r>
+              <a:endParaRPr lang="hu-HU" sz="2800" b="1" i="0" u="none" strike="noStrike" dirty="0">
+                <a:ln w="3175">
+                  <a:solidFill>
+                    <a:schemeClr val="tx1"/>
+                  </a:solidFill>
+                </a:ln>
+                <a:solidFill>
+                  <a:schemeClr val="bg1"/>
+                </a:solidFill>
+                <a:effectLst/>
+                <a:latin typeface="-apple-system"/>
+              </a:endParaRPr>
+            </a:p>
+          </p:txBody>
+        </p:sp>
+      </p:grpSp>
+      <p:sp>
+        <p:nvSpPr>
+          <p:cNvPr id="13" name="Beszédbuborék: négyszög 12">
+            <a:extLst>
+              <a:ext uri="{FF2B5EF4-FFF2-40B4-BE49-F238E27FC236}">
+                <a16:creationId xmlns:a16="http://schemas.microsoft.com/office/drawing/2014/main" id="{01CC63A0-6102-9D2F-BEB2-73B1853DE97E}"/>
+              </a:ext>
+            </a:extLst>
+          </p:cNvPr>
+          <p:cNvSpPr/>
+          <p:nvPr/>
+        </p:nvSpPr>
+        <p:spPr>
+          <a:xfrm rot="16200000" flipH="1">
+            <a:off x="1113167" y="-2006600"/>
+            <a:ext cx="6923314" cy="10834914"/>
+          </a:xfrm>
+          <a:prstGeom prst="wedgeRectCallout">
+            <a:avLst>
+              <a:gd name="adj1" fmla="val -31734"/>
+              <a:gd name="adj2" fmla="val 53364"/>
+            </a:avLst>
+          </a:prstGeom>
+          <a:solidFill>
+            <a:schemeClr val="accent1">
+              <a:lumMod val="60000"/>
+              <a:lumOff val="40000"/>
+            </a:schemeClr>
+          </a:solidFill>
+        </p:spPr>
+        <p:style>
+          <a:lnRef idx="2">
+            <a:schemeClr val="accent1">
+              <a:shade val="15000"/>
+            </a:schemeClr>
+          </a:lnRef>
+          <a:fillRef idx="1">
+            <a:schemeClr val="accent1"/>
+          </a:fillRef>
+          <a:effectRef idx="0">
+            <a:schemeClr val="accent1"/>
+          </a:effectRef>
+          <a:fontRef idx="minor">
+            <a:schemeClr val="lt1"/>
+          </a:fontRef>
+        </p:style>
+        <p:txBody>
+          <a:bodyPr rtlCol="0" anchor="ctr"/>
+          <a:lstStyle/>
+          <a:p>
+            <a:pPr algn="ctr"/>
+            <a:endParaRPr lang="hu-HU" dirty="0"/>
+          </a:p>
+        </p:txBody>
+      </p:sp>
+      <p:sp>
+        <p:nvSpPr>
+          <p:cNvPr id="15" name="Beszédbuborék: négyszög 14">
+            <a:extLst>
+              <a:ext uri="{FF2B5EF4-FFF2-40B4-BE49-F238E27FC236}">
+                <a16:creationId xmlns:a16="http://schemas.microsoft.com/office/drawing/2014/main" id="{F6572070-50FF-FA45-6B29-F61253CE54F6}"/>
+              </a:ext>
+            </a:extLst>
+          </p:cNvPr>
+          <p:cNvSpPr/>
+          <p:nvPr/>
+        </p:nvSpPr>
+        <p:spPr>
+          <a:xfrm rot="16200000" flipH="1">
+            <a:off x="-10816786" y="-1975071"/>
+            <a:ext cx="6923314" cy="10834914"/>
+          </a:xfrm>
+          <a:prstGeom prst="wedgeRectCallout">
+            <a:avLst>
+              <a:gd name="adj1" fmla="val -31734"/>
+              <a:gd name="adj2" fmla="val 53364"/>
+            </a:avLst>
+          </a:prstGeom>
+          <a:solidFill>
+            <a:schemeClr val="accent1">
+              <a:lumMod val="20000"/>
+              <a:lumOff val="80000"/>
+            </a:schemeClr>
+          </a:solidFill>
+        </p:spPr>
+        <p:style>
+          <a:lnRef idx="2">
+            <a:schemeClr val="accent1">
+              <a:shade val="15000"/>
+            </a:schemeClr>
+          </a:lnRef>
+          <a:fillRef idx="1">
+            <a:schemeClr val="accent1"/>
+          </a:fillRef>
+          <a:effectRef idx="0">
+            <a:schemeClr val="accent1"/>
+          </a:effectRef>
+          <a:fontRef idx="minor">
+            <a:schemeClr val="lt1"/>
+          </a:fontRef>
+        </p:style>
+        <p:txBody>
+          <a:bodyPr rtlCol="0" anchor="ctr"/>
+          <a:lstStyle/>
+          <a:p>
+            <a:pPr algn="ctr"/>
+            <a:endParaRPr lang="hu-HU"/>
+          </a:p>
+        </p:txBody>
+      </p:sp>
+      <p:sp>
+        <p:nvSpPr>
+          <p:cNvPr id="16" name="Alcím 2">
+            <a:extLst>
+              <a:ext uri="{FF2B5EF4-FFF2-40B4-BE49-F238E27FC236}">
+                <a16:creationId xmlns:a16="http://schemas.microsoft.com/office/drawing/2014/main" id="{EE3CFDDD-573C-E5B0-E715-B228C2D2B21C}"/>
+              </a:ext>
+            </a:extLst>
+          </p:cNvPr>
+          <p:cNvSpPr txBox="1">
+            <a:spLocks/>
+          </p:cNvSpPr>
+          <p:nvPr/>
+        </p:nvSpPr>
+        <p:spPr>
+          <a:xfrm>
+            <a:off x="1662307" y="2546601"/>
+            <a:ext cx="5273488" cy="1655762"/>
+          </a:xfrm>
+          <a:prstGeom prst="rect">
+            <a:avLst/>
+          </a:prstGeom>
+        </p:spPr>
+        <p:txBody>
+          <a:bodyPr vert="horz" lIns="91440" tIns="45720" rIns="91440" bIns="45720" rtlCol="0">
+            <a:normAutofit lnSpcReduction="10000"/>
+          </a:bodyPr>
+          <a:lstStyle>
+            <a:lvl1pPr marL="0" indent="0" algn="ctr" defTabSz="914400" rtl="0" eaLnBrk="1" latinLnBrk="0" hangingPunct="1">
+              <a:lnSpc>
+                <a:spcPct val="90000"/>
+              </a:lnSpc>
+              <a:spcBef>
+                <a:spcPts val="1000"/>
+              </a:spcBef>
+              <a:buFont typeface="Arial" panose="020B0604020202020204" pitchFamily="34" charset="0"/>
+              <a:buNone/>
+              <a:defRPr sz="2400" kern="1200">
+                <a:solidFill>
+                  <a:schemeClr val="tx1"/>
+                </a:solidFill>
+                <a:latin typeface="+mn-lt"/>
+                <a:ea typeface="+mn-ea"/>
+                <a:cs typeface="+mn-cs"/>
+              </a:defRPr>
+            </a:lvl1pPr>
+            <a:lvl2pPr marL="457200" indent="0" algn="ctr" defTabSz="914400" rtl="0" eaLnBrk="1" latinLnBrk="0" hangingPunct="1">
+              <a:lnSpc>
+                <a:spcPct val="90000"/>
+              </a:lnSpc>
+              <a:spcBef>
+                <a:spcPts val="500"/>
+              </a:spcBef>
+              <a:buFont typeface="Arial" panose="020B0604020202020204" pitchFamily="34" charset="0"/>
+              <a:buNone/>
+              <a:defRPr sz="2000" kern="1200">
+                <a:solidFill>
+                  <a:schemeClr val="tx1"/>
+                </a:solidFill>
+                <a:latin typeface="+mn-lt"/>
+                <a:ea typeface="+mn-ea"/>
+                <a:cs typeface="+mn-cs"/>
+              </a:defRPr>
+            </a:lvl2pPr>
+            <a:lvl3pPr marL="914400" indent="0" algn="ctr" defTabSz="914400" rtl="0" eaLnBrk="1" latinLnBrk="0" hangingPunct="1">
+              <a:lnSpc>
+                <a:spcPct val="90000"/>
+              </a:lnSpc>
+              <a:spcBef>
+                <a:spcPts val="500"/>
+              </a:spcBef>
+              <a:buFont typeface="Arial" panose="020B0604020202020204" pitchFamily="34" charset="0"/>
+              <a:buNone/>
+              <a:defRPr sz="1800" kern="1200">
+                <a:solidFill>
+                  <a:schemeClr val="tx1"/>
+                </a:solidFill>
+                <a:latin typeface="+mn-lt"/>
+                <a:ea typeface="+mn-ea"/>
+                <a:cs typeface="+mn-cs"/>
+              </a:defRPr>
+            </a:lvl3pPr>
+            <a:lvl4pPr marL="1371600" indent="0" algn="ctr" defTabSz="914400" rtl="0" eaLnBrk="1" latinLnBrk="0" hangingPunct="1">
+              <a:lnSpc>
+                <a:spcPct val="90000"/>
+              </a:lnSpc>
+              <a:spcBef>
+                <a:spcPts val="500"/>
+              </a:spcBef>
+              <a:buFont typeface="Arial" panose="020B0604020202020204" pitchFamily="34" charset="0"/>
+              <a:buNone/>
+              <a:defRPr sz="1600" kern="1200">
+                <a:solidFill>
+                  <a:schemeClr val="tx1"/>
+                </a:solidFill>
+                <a:latin typeface="+mn-lt"/>
+                <a:ea typeface="+mn-ea"/>
+                <a:cs typeface="+mn-cs"/>
+              </a:defRPr>
+            </a:lvl4pPr>
+            <a:lvl5pPr marL="1828800" indent="0" algn="ctr" defTabSz="914400" rtl="0" eaLnBrk="1" latinLnBrk="0" hangingPunct="1">
+              <a:lnSpc>
+                <a:spcPct val="90000"/>
+              </a:lnSpc>
+              <a:spcBef>
+                <a:spcPts val="500"/>
+              </a:spcBef>
+              <a:buFont typeface="Arial" panose="020B0604020202020204" pitchFamily="34" charset="0"/>
+              <a:buNone/>
+              <a:defRPr sz="1600" kern="1200">
+                <a:solidFill>
+                  <a:schemeClr val="tx1"/>
+                </a:solidFill>
+                <a:latin typeface="+mn-lt"/>
+                <a:ea typeface="+mn-ea"/>
+                <a:cs typeface="+mn-cs"/>
+              </a:defRPr>
+            </a:lvl5pPr>
+            <a:lvl6pPr marL="2286000" indent="0" algn="ctr" defTabSz="914400" rtl="0" eaLnBrk="1" latinLnBrk="0" hangingPunct="1">
+              <a:lnSpc>
+                <a:spcPct val="90000"/>
+              </a:lnSpc>
+              <a:spcBef>
+                <a:spcPts val="500"/>
+              </a:spcBef>
+              <a:buFont typeface="Arial" panose="020B0604020202020204" pitchFamily="34" charset="0"/>
+              <a:buNone/>
+              <a:defRPr sz="1600" kern="1200">
+                <a:solidFill>
+                  <a:schemeClr val="tx1"/>
+                </a:solidFill>
+                <a:latin typeface="+mn-lt"/>
+                <a:ea typeface="+mn-ea"/>
+                <a:cs typeface="+mn-cs"/>
+              </a:defRPr>
+            </a:lvl6pPr>
+            <a:lvl7pPr marL="2743200" indent="0" algn="ctr" defTabSz="914400" rtl="0" eaLnBrk="1" latinLnBrk="0" hangingPunct="1">
+              <a:lnSpc>
+                <a:spcPct val="90000"/>
+              </a:lnSpc>
+              <a:spcBef>
+                <a:spcPts val="500"/>
+              </a:spcBef>
+              <a:buFont typeface="Arial" panose="020B0604020202020204" pitchFamily="34" charset="0"/>
+              <a:buNone/>
+              <a:defRPr sz="1600" kern="1200">
+                <a:solidFill>
+                  <a:schemeClr val="tx1"/>
+                </a:solidFill>
+                <a:latin typeface="+mn-lt"/>
+                <a:ea typeface="+mn-ea"/>
+                <a:cs typeface="+mn-cs"/>
+              </a:defRPr>
+            </a:lvl7pPr>
+            <a:lvl8pPr marL="3200400" indent="0" algn="ctr" defTabSz="914400" rtl="0" eaLnBrk="1" latinLnBrk="0" hangingPunct="1">
+              <a:lnSpc>
+                <a:spcPct val="90000"/>
+              </a:lnSpc>
+              <a:spcBef>
+                <a:spcPts val="500"/>
+              </a:spcBef>
+              <a:buFont typeface="Arial" panose="020B0604020202020204" pitchFamily="34" charset="0"/>
+              <a:buNone/>
+              <a:defRPr sz="1600" kern="1200">
+                <a:solidFill>
+                  <a:schemeClr val="tx1"/>
+                </a:solidFill>
+                <a:latin typeface="+mn-lt"/>
+                <a:ea typeface="+mn-ea"/>
+                <a:cs typeface="+mn-cs"/>
+              </a:defRPr>
+            </a:lvl8pPr>
+            <a:lvl9pPr marL="3657600" indent="0" algn="ctr" defTabSz="914400" rtl="0" eaLnBrk="1" latinLnBrk="0" hangingPunct="1">
+              <a:lnSpc>
+                <a:spcPct val="90000"/>
+              </a:lnSpc>
+              <a:spcBef>
+                <a:spcPts val="500"/>
+              </a:spcBef>
+              <a:buFont typeface="Arial" panose="020B0604020202020204" pitchFamily="34" charset="0"/>
+              <a:buNone/>
+              <a:defRPr sz="1600" kern="1200">
+                <a:solidFill>
+                  <a:schemeClr val="tx1"/>
+                </a:solidFill>
+                <a:latin typeface="+mn-lt"/>
+                <a:ea typeface="+mn-ea"/>
+                <a:cs typeface="+mn-cs"/>
+              </a:defRPr>
+            </a:lvl9pPr>
+          </a:lstStyle>
+          <a:p>
+            <a:r>
+              <a:rPr lang="hu-HU" dirty="0"/>
+              <a:t>Játékmenet:</a:t>
+            </a:r>
+          </a:p>
+          <a:p>
+            <a:r>
+              <a:rPr lang="hu-HU" dirty="0"/>
+              <a:t>2szakasz, </a:t>
+            </a:r>
+          </a:p>
+          <a:p>
+            <a:r>
+              <a:rPr lang="hu-HU" dirty="0"/>
+              <a:t>1szakasz:bevezetö, alapok elsajátítása</a:t>
+            </a:r>
+          </a:p>
+          <a:p>
+            <a:r>
+              <a:rPr lang="hu-HU" dirty="0"/>
+              <a:t>2szakasz:hardmode </a:t>
+            </a:r>
+            <a:r>
+              <a:rPr lang="hu-HU" dirty="0" err="1"/>
+              <a:t>on</a:t>
+            </a:r>
+            <a:r>
+              <a:rPr lang="hu-HU" dirty="0"/>
+              <a:t>, </a:t>
+            </a:r>
+            <a:r>
+              <a:rPr lang="hu-HU" dirty="0" err="1"/>
+              <a:t>nehezitések</a:t>
+            </a:r>
+            <a:endParaRPr lang="hu-HU" dirty="0"/>
+          </a:p>
+        </p:txBody>
+      </p:sp>
+      <p:sp>
+        <p:nvSpPr>
+          <p:cNvPr id="14" name="Beszédbuborék: négyszög 13">
+            <a:extLst>
+              <a:ext uri="{FF2B5EF4-FFF2-40B4-BE49-F238E27FC236}">
+                <a16:creationId xmlns:a16="http://schemas.microsoft.com/office/drawing/2014/main" id="{6CE0D3AB-3B2C-AFD0-D85C-6F63B4F4D27F}"/>
+              </a:ext>
+            </a:extLst>
+          </p:cNvPr>
+          <p:cNvSpPr/>
+          <p:nvPr/>
+        </p:nvSpPr>
+        <p:spPr>
+          <a:xfrm rot="16200000" flipH="1">
+            <a:off x="-10475698" y="-1982329"/>
+            <a:ext cx="6923314" cy="10834914"/>
+          </a:xfrm>
+          <a:prstGeom prst="wedgeRectCallout">
+            <a:avLst>
+              <a:gd name="adj1" fmla="val -31734"/>
+              <a:gd name="adj2" fmla="val 53364"/>
+            </a:avLst>
+          </a:prstGeom>
+          <a:solidFill>
+            <a:schemeClr val="accent1">
+              <a:lumMod val="40000"/>
+              <a:lumOff val="60000"/>
+            </a:schemeClr>
+          </a:solidFill>
+        </p:spPr>
+        <p:style>
+          <a:lnRef idx="2">
+            <a:schemeClr val="accent1">
+              <a:shade val="15000"/>
+            </a:schemeClr>
+          </a:lnRef>
+          <a:fillRef idx="1">
+            <a:schemeClr val="accent1"/>
+          </a:fillRef>
+          <a:effectRef idx="0">
+            <a:schemeClr val="accent1"/>
+          </a:effectRef>
+          <a:fontRef idx="minor">
+            <a:schemeClr val="lt1"/>
+          </a:fontRef>
+        </p:style>
+        <p:txBody>
+          <a:bodyPr rtlCol="0" anchor="ctr"/>
+          <a:lstStyle/>
+          <a:p>
+            <a:pPr algn="ctr"/>
+            <a:endParaRPr lang="hu-HU"/>
+          </a:p>
+        </p:txBody>
+      </p:sp>
+      <p:sp>
+        <p:nvSpPr>
+          <p:cNvPr id="18" name="Szövegdoboz 17">
+            <a:extLst>
+              <a:ext uri="{FF2B5EF4-FFF2-40B4-BE49-F238E27FC236}">
+                <a16:creationId xmlns:a16="http://schemas.microsoft.com/office/drawing/2014/main" id="{5FFA5ECB-8282-E602-2B67-F0A8E208C767}"/>
+              </a:ext>
+            </a:extLst>
+          </p:cNvPr>
+          <p:cNvSpPr txBox="1"/>
+          <p:nvPr/>
+        </p:nvSpPr>
+        <p:spPr>
+          <a:xfrm>
+            <a:off x="2910921" y="106699"/>
+            <a:ext cx="3327804" cy="1015663"/>
+          </a:xfrm>
+          <a:prstGeom prst="rect">
+            <a:avLst/>
+          </a:prstGeom>
+          <a:noFill/>
+        </p:spPr>
+        <p:txBody>
+          <a:bodyPr wrap="square" rtlCol="0">
+            <a:spAutoFit/>
+          </a:bodyPr>
+          <a:lstStyle/>
+          <a:p>
+            <a:r>
+              <a:rPr lang="hu-HU" sz="6000" b="1" dirty="0">
+                <a:ln w="3175">
+                  <a:solidFill>
+                    <a:schemeClr val="tx1"/>
+                  </a:solidFill>
+                </a:ln>
+                <a:solidFill>
+                  <a:schemeClr val="bg1"/>
+                </a:solidFill>
+                <a:latin typeface="-apple-system"/>
+              </a:rPr>
+              <a:t>A játékról</a:t>
+            </a:r>
+          </a:p>
+        </p:txBody>
+      </p:sp>
+    </p:spTree>
+    <p:extLst>
+      <p:ext uri="{BB962C8B-B14F-4D97-AF65-F5344CB8AC3E}">
+        <p14:creationId xmlns:p14="http://schemas.microsoft.com/office/powerpoint/2010/main" val="1955840005"/>
+      </p:ext>
+    </p:extLst>
+  </p:cSld>
+  <p:clrMapOvr>
+    <a:masterClrMapping/>
+  </p:clrMapOvr>
+  <mc:AlternateContent xmlns:mc="http://schemas.openxmlformats.org/markup-compatibility/2006">
+    <mc:Choice xmlns:p159="http://schemas.microsoft.com/office/powerpoint/2015/09/main" Requires="p159">
+      <p:transition xmlns:p14="http://schemas.microsoft.com/office/powerpoint/2010/main" spd="slow" p14:dur="2000">
+        <p159:morph option="byObject"/>
+      </p:transition>
+    </mc:Choice>
+    <mc:Fallback>
+      <p:transition spd="slow">
+        <p:fade/>
+      </p:transition>
+    </mc:Fallback>
+  </mc:AlternateContent>
+</p:sld>
+</file>
+
+<file path=ppt/slides/slide4.xml><?xml version="1.0" encoding="utf-8"?>
 <p:sld xmlns:a="http://schemas.openxmlformats.org/drawingml/2006/main" xmlns:r="http://schemas.openxmlformats.org/officeDocument/2006/relationships" xmlns:p="http://schemas.openxmlformats.org/presentationml/2006/main">
   <p:cSld>
     <p:bg>
@@ -3459,141 +5166,548 @@
           <a:chExt cx="0" cy="0"/>
         </a:xfrm>
       </p:grpSpPr>
-      <p:pic>
-        <p:nvPicPr>
-          <p:cNvPr id="5" name="Kép 4">
-            <a:extLst>
-              <a:ext uri="{FF2B5EF4-FFF2-40B4-BE49-F238E27FC236}">
-                <a16:creationId xmlns:a16="http://schemas.microsoft.com/office/drawing/2014/main" id="{72CCE82E-C039-A0DF-E5CD-8188F48BAC68}"/>
-              </a:ext>
-            </a:extLst>
-          </p:cNvPr>
-          <p:cNvPicPr>
-            <a:picLocks noChangeAspect="1"/>
-          </p:cNvPicPr>
+      <p:sp>
+        <p:nvSpPr>
+          <p:cNvPr id="20" name="Beszédbuborék: négyszög 19">
+            <a:extLst>
+              <a:ext uri="{FF2B5EF4-FFF2-40B4-BE49-F238E27FC236}">
+                <a16:creationId xmlns:a16="http://schemas.microsoft.com/office/drawing/2014/main" id="{DE58B46F-1B24-B731-AEB4-E409E10FB5FA}"/>
+              </a:ext>
+            </a:extLst>
+          </p:cNvPr>
+          <p:cNvSpPr/>
           <p:nvPr/>
-        </p:nvPicPr>
-        <p:blipFill>
-          <a:blip r:embed="rId3"/>
-          <a:stretch>
-            <a:fillRect/>
-          </a:stretch>
-        </p:blipFill>
+        </p:nvSpPr>
+        <p:spPr>
+          <a:xfrm rot="16200000" flipH="1">
+            <a:off x="1113167" y="-2006600"/>
+            <a:ext cx="6923314" cy="10834914"/>
+          </a:xfrm>
+          <a:prstGeom prst="wedgeRectCallout">
+            <a:avLst>
+              <a:gd name="adj1" fmla="val -31734"/>
+              <a:gd name="adj2" fmla="val 53364"/>
+            </a:avLst>
+          </a:prstGeom>
+          <a:solidFill>
+            <a:schemeClr val="accent1">
+              <a:lumMod val="60000"/>
+              <a:lumOff val="40000"/>
+            </a:schemeClr>
+          </a:solidFill>
+        </p:spPr>
+        <p:style>
+          <a:lnRef idx="2">
+            <a:schemeClr val="accent1">
+              <a:shade val="15000"/>
+            </a:schemeClr>
+          </a:lnRef>
+          <a:fillRef idx="1">
+            <a:schemeClr val="accent1"/>
+          </a:fillRef>
+          <a:effectRef idx="0">
+            <a:schemeClr val="accent1"/>
+          </a:effectRef>
+          <a:fontRef idx="minor">
+            <a:schemeClr val="lt1"/>
+          </a:fontRef>
+        </p:style>
+        <p:txBody>
+          <a:bodyPr rtlCol="0" anchor="ctr"/>
+          <a:lstStyle/>
+          <a:p>
+            <a:pPr algn="ctr"/>
+            <a:endParaRPr lang="hu-HU"/>
+          </a:p>
+        </p:txBody>
+      </p:sp>
+      <p:sp>
+        <p:nvSpPr>
+          <p:cNvPr id="21" name="Alcím 2">
+            <a:extLst>
+              <a:ext uri="{FF2B5EF4-FFF2-40B4-BE49-F238E27FC236}">
+                <a16:creationId xmlns:a16="http://schemas.microsoft.com/office/drawing/2014/main" id="{E67F48C6-2E0B-0104-FBC7-D2A18733FBB6}"/>
+              </a:ext>
+            </a:extLst>
+          </p:cNvPr>
+          <p:cNvSpPr txBox="1">
+            <a:spLocks/>
+          </p:cNvSpPr>
+          <p:nvPr/>
+        </p:nvSpPr>
         <p:spPr>
           <a:xfrm>
-            <a:off x="983850" y="405746"/>
-            <a:ext cx="8943975" cy="5438775"/>
+            <a:off x="2819093" y="2839018"/>
+            <a:ext cx="5273488" cy="1655762"/>
           </a:xfrm>
           <a:prstGeom prst="rect">
             <a:avLst/>
           </a:prstGeom>
         </p:spPr>
-      </p:pic>
-      <p:sp>
-        <p:nvSpPr>
-          <p:cNvPr id="2" name="Cím 1">
-            <a:extLst>
-              <a:ext uri="{FF2B5EF4-FFF2-40B4-BE49-F238E27FC236}">
-                <a16:creationId xmlns:a16="http://schemas.microsoft.com/office/drawing/2014/main" id="{F2723EA3-B757-9F28-CA99-910330CA6C9E}"/>
-              </a:ext>
-            </a:extLst>
-          </p:cNvPr>
-          <p:cNvSpPr>
-            <a:spLocks noGrp="1"/>
-          </p:cNvSpPr>
-          <p:nvPr>
-            <p:ph type="ctrTitle"/>
-          </p:nvPr>
-        </p:nvSpPr>
-        <p:spPr>
-          <a:xfrm>
-            <a:off x="5948082" y="127748"/>
-            <a:ext cx="6134100" cy="1028700"/>
-          </a:xfrm>
-        </p:spPr>
-        <p:txBody>
-          <a:bodyPr/>
-          <a:lstStyle/>
-          <a:p>
-            <a:r>
-              <a:rPr lang="hu-HU" dirty="0" err="1"/>
-              <a:t>Beyond</a:t>
-            </a:r>
-            <a:r>
-              <a:rPr lang="hu-HU" dirty="0"/>
-              <a:t> The </a:t>
-            </a:r>
-            <a:r>
-              <a:rPr lang="hu-HU" dirty="0" err="1"/>
-              <a:t>Blocks</a:t>
-            </a:r>
-            <a:endParaRPr lang="hu-HU" dirty="0"/>
-          </a:p>
-        </p:txBody>
-      </p:sp>
-      <p:sp>
-        <p:nvSpPr>
-          <p:cNvPr id="3" name="Alcím 2">
-            <a:extLst>
-              <a:ext uri="{FF2B5EF4-FFF2-40B4-BE49-F238E27FC236}">
-                <a16:creationId xmlns:a16="http://schemas.microsoft.com/office/drawing/2014/main" id="{EE3CFDDD-573C-E5B0-E715-B228C2D2B21C}"/>
-              </a:ext>
-            </a:extLst>
-          </p:cNvPr>
-          <p:cNvSpPr>
-            <a:spLocks noGrp="1"/>
-          </p:cNvSpPr>
-          <p:nvPr>
-            <p:ph type="subTitle" idx="1"/>
-          </p:nvPr>
-        </p:nvSpPr>
-        <p:spPr>
-          <a:xfrm>
-            <a:off x="2819093" y="2839018"/>
-            <a:ext cx="5273488" cy="1655762"/>
-          </a:xfrm>
-        </p:spPr>
-        <p:txBody>
-          <a:bodyPr>
+        <p:txBody>
+          <a:bodyPr vert="horz" lIns="91440" tIns="45720" rIns="91440" bIns="45720" rtlCol="0">
             <a:normAutofit lnSpcReduction="10000"/>
           </a:bodyPr>
+          <a:lstStyle>
+            <a:lvl1pPr marL="0" indent="0" algn="ctr" defTabSz="914400" rtl="0" eaLnBrk="1" latinLnBrk="0" hangingPunct="1">
+              <a:lnSpc>
+                <a:spcPct val="90000"/>
+              </a:lnSpc>
+              <a:spcBef>
+                <a:spcPts val="1000"/>
+              </a:spcBef>
+              <a:buFont typeface="Arial" panose="020B0604020202020204" pitchFamily="34" charset="0"/>
+              <a:buNone/>
+              <a:defRPr sz="2400" kern="1200">
+                <a:solidFill>
+                  <a:schemeClr val="tx1"/>
+                </a:solidFill>
+                <a:latin typeface="+mn-lt"/>
+                <a:ea typeface="+mn-ea"/>
+                <a:cs typeface="+mn-cs"/>
+              </a:defRPr>
+            </a:lvl1pPr>
+            <a:lvl2pPr marL="457200" indent="0" algn="ctr" defTabSz="914400" rtl="0" eaLnBrk="1" latinLnBrk="0" hangingPunct="1">
+              <a:lnSpc>
+                <a:spcPct val="90000"/>
+              </a:lnSpc>
+              <a:spcBef>
+                <a:spcPts val="500"/>
+              </a:spcBef>
+              <a:buFont typeface="Arial" panose="020B0604020202020204" pitchFamily="34" charset="0"/>
+              <a:buNone/>
+              <a:defRPr sz="2000" kern="1200">
+                <a:solidFill>
+                  <a:schemeClr val="tx1"/>
+                </a:solidFill>
+                <a:latin typeface="+mn-lt"/>
+                <a:ea typeface="+mn-ea"/>
+                <a:cs typeface="+mn-cs"/>
+              </a:defRPr>
+            </a:lvl2pPr>
+            <a:lvl3pPr marL="914400" indent="0" algn="ctr" defTabSz="914400" rtl="0" eaLnBrk="1" latinLnBrk="0" hangingPunct="1">
+              <a:lnSpc>
+                <a:spcPct val="90000"/>
+              </a:lnSpc>
+              <a:spcBef>
+                <a:spcPts val="500"/>
+              </a:spcBef>
+              <a:buFont typeface="Arial" panose="020B0604020202020204" pitchFamily="34" charset="0"/>
+              <a:buNone/>
+              <a:defRPr sz="1800" kern="1200">
+                <a:solidFill>
+                  <a:schemeClr val="tx1"/>
+                </a:solidFill>
+                <a:latin typeface="+mn-lt"/>
+                <a:ea typeface="+mn-ea"/>
+                <a:cs typeface="+mn-cs"/>
+              </a:defRPr>
+            </a:lvl3pPr>
+            <a:lvl4pPr marL="1371600" indent="0" algn="ctr" defTabSz="914400" rtl="0" eaLnBrk="1" latinLnBrk="0" hangingPunct="1">
+              <a:lnSpc>
+                <a:spcPct val="90000"/>
+              </a:lnSpc>
+              <a:spcBef>
+                <a:spcPts val="500"/>
+              </a:spcBef>
+              <a:buFont typeface="Arial" panose="020B0604020202020204" pitchFamily="34" charset="0"/>
+              <a:buNone/>
+              <a:defRPr sz="1600" kern="1200">
+                <a:solidFill>
+                  <a:schemeClr val="tx1"/>
+                </a:solidFill>
+                <a:latin typeface="+mn-lt"/>
+                <a:ea typeface="+mn-ea"/>
+                <a:cs typeface="+mn-cs"/>
+              </a:defRPr>
+            </a:lvl4pPr>
+            <a:lvl5pPr marL="1828800" indent="0" algn="ctr" defTabSz="914400" rtl="0" eaLnBrk="1" latinLnBrk="0" hangingPunct="1">
+              <a:lnSpc>
+                <a:spcPct val="90000"/>
+              </a:lnSpc>
+              <a:spcBef>
+                <a:spcPts val="500"/>
+              </a:spcBef>
+              <a:buFont typeface="Arial" panose="020B0604020202020204" pitchFamily="34" charset="0"/>
+              <a:buNone/>
+              <a:defRPr sz="1600" kern="1200">
+                <a:solidFill>
+                  <a:schemeClr val="tx1"/>
+                </a:solidFill>
+                <a:latin typeface="+mn-lt"/>
+                <a:ea typeface="+mn-ea"/>
+                <a:cs typeface="+mn-cs"/>
+              </a:defRPr>
+            </a:lvl5pPr>
+            <a:lvl6pPr marL="2286000" indent="0" algn="ctr" defTabSz="914400" rtl="0" eaLnBrk="1" latinLnBrk="0" hangingPunct="1">
+              <a:lnSpc>
+                <a:spcPct val="90000"/>
+              </a:lnSpc>
+              <a:spcBef>
+                <a:spcPts val="500"/>
+              </a:spcBef>
+              <a:buFont typeface="Arial" panose="020B0604020202020204" pitchFamily="34" charset="0"/>
+              <a:buNone/>
+              <a:defRPr sz="1600" kern="1200">
+                <a:solidFill>
+                  <a:schemeClr val="tx1"/>
+                </a:solidFill>
+                <a:latin typeface="+mn-lt"/>
+                <a:ea typeface="+mn-ea"/>
+                <a:cs typeface="+mn-cs"/>
+              </a:defRPr>
+            </a:lvl6pPr>
+            <a:lvl7pPr marL="2743200" indent="0" algn="ctr" defTabSz="914400" rtl="0" eaLnBrk="1" latinLnBrk="0" hangingPunct="1">
+              <a:lnSpc>
+                <a:spcPct val="90000"/>
+              </a:lnSpc>
+              <a:spcBef>
+                <a:spcPts val="500"/>
+              </a:spcBef>
+              <a:buFont typeface="Arial" panose="020B0604020202020204" pitchFamily="34" charset="0"/>
+              <a:buNone/>
+              <a:defRPr sz="1600" kern="1200">
+                <a:solidFill>
+                  <a:schemeClr val="tx1"/>
+                </a:solidFill>
+                <a:latin typeface="+mn-lt"/>
+                <a:ea typeface="+mn-ea"/>
+                <a:cs typeface="+mn-cs"/>
+              </a:defRPr>
+            </a:lvl7pPr>
+            <a:lvl8pPr marL="3200400" indent="0" algn="ctr" defTabSz="914400" rtl="0" eaLnBrk="1" latinLnBrk="0" hangingPunct="1">
+              <a:lnSpc>
+                <a:spcPct val="90000"/>
+              </a:lnSpc>
+              <a:spcBef>
+                <a:spcPts val="500"/>
+              </a:spcBef>
+              <a:buFont typeface="Arial" panose="020B0604020202020204" pitchFamily="34" charset="0"/>
+              <a:buNone/>
+              <a:defRPr sz="1600" kern="1200">
+                <a:solidFill>
+                  <a:schemeClr val="tx1"/>
+                </a:solidFill>
+                <a:latin typeface="+mn-lt"/>
+                <a:ea typeface="+mn-ea"/>
+                <a:cs typeface="+mn-cs"/>
+              </a:defRPr>
+            </a:lvl8pPr>
+            <a:lvl9pPr marL="3657600" indent="0" algn="ctr" defTabSz="914400" rtl="0" eaLnBrk="1" latinLnBrk="0" hangingPunct="1">
+              <a:lnSpc>
+                <a:spcPct val="90000"/>
+              </a:lnSpc>
+              <a:spcBef>
+                <a:spcPts val="500"/>
+              </a:spcBef>
+              <a:buFont typeface="Arial" panose="020B0604020202020204" pitchFamily="34" charset="0"/>
+              <a:buNone/>
+              <a:defRPr sz="1600" kern="1200">
+                <a:solidFill>
+                  <a:schemeClr val="tx1"/>
+                </a:solidFill>
+                <a:latin typeface="+mn-lt"/>
+                <a:ea typeface="+mn-ea"/>
+                <a:cs typeface="+mn-cs"/>
+              </a:defRPr>
+            </a:lvl9pPr>
+          </a:lstStyle>
+          <a:p>
+            <a:r>
+              <a:rPr lang="hu-HU"/>
+              <a:t>Játékmenet:</a:t>
+            </a:r>
+          </a:p>
+          <a:p>
+            <a:r>
+              <a:rPr lang="hu-HU"/>
+              <a:t>2szakasz, </a:t>
+            </a:r>
+          </a:p>
+          <a:p>
+            <a:r>
+              <a:rPr lang="hu-HU"/>
+              <a:t>1szakasz:bevezetö, alapok elsajátítása</a:t>
+            </a:r>
+          </a:p>
+          <a:p>
+            <a:r>
+              <a:rPr lang="hu-HU"/>
+              <a:t>2szakasz:hardmode on, nehezitések</a:t>
+            </a:r>
+            <a:endParaRPr lang="hu-HU" dirty="0"/>
+          </a:p>
+        </p:txBody>
+      </p:sp>
+      <p:sp>
+        <p:nvSpPr>
+          <p:cNvPr id="16" name="Beszédbuborék: négyszög 15">
+            <a:extLst>
+              <a:ext uri="{FF2B5EF4-FFF2-40B4-BE49-F238E27FC236}">
+                <a16:creationId xmlns:a16="http://schemas.microsoft.com/office/drawing/2014/main" id="{0AAB4890-30BB-9F85-0474-AD247F6FE918}"/>
+              </a:ext>
+            </a:extLst>
+          </p:cNvPr>
+          <p:cNvSpPr/>
+          <p:nvPr/>
+        </p:nvSpPr>
+        <p:spPr>
+          <a:xfrm rot="16200000" flipH="1">
+            <a:off x="743849" y="-1982329"/>
+            <a:ext cx="6923314" cy="10834914"/>
+          </a:xfrm>
+          <a:prstGeom prst="wedgeRectCallout">
+            <a:avLst>
+              <a:gd name="adj1" fmla="val -31734"/>
+              <a:gd name="adj2" fmla="val 53364"/>
+            </a:avLst>
+          </a:prstGeom>
+          <a:solidFill>
+            <a:schemeClr val="accent1">
+              <a:lumMod val="40000"/>
+              <a:lumOff val="60000"/>
+            </a:schemeClr>
+          </a:solidFill>
+        </p:spPr>
+        <p:style>
+          <a:lnRef idx="2">
+            <a:schemeClr val="accent1">
+              <a:shade val="15000"/>
+            </a:schemeClr>
+          </a:lnRef>
+          <a:fillRef idx="1">
+            <a:schemeClr val="accent1"/>
+          </a:fillRef>
+          <a:effectRef idx="0">
+            <a:schemeClr val="accent1"/>
+          </a:effectRef>
+          <a:fontRef idx="minor">
+            <a:schemeClr val="lt1"/>
+          </a:fontRef>
+        </p:style>
+        <p:txBody>
+          <a:bodyPr rtlCol="0" anchor="ctr"/>
           <a:lstStyle/>
           <a:p>
-            <a:r>
-              <a:rPr lang="hu-HU" dirty="0"/>
-              <a:t>Játékmenet:</a:t>
-            </a:r>
-          </a:p>
-          <a:p>
-            <a:r>
-              <a:rPr lang="hu-HU" dirty="0"/>
-              <a:t>2szakasz, </a:t>
-            </a:r>
-          </a:p>
-          <a:p>
-            <a:r>
-              <a:rPr lang="hu-HU" dirty="0"/>
-              <a:t>1szakasz:bevezetö, alapok elsajátítása</a:t>
-            </a:r>
-          </a:p>
-          <a:p>
-            <a:r>
-              <a:rPr lang="hu-HU" dirty="0"/>
-              <a:t>2szakasz:hardmode </a:t>
-            </a:r>
-            <a:r>
-              <a:rPr lang="hu-HU" dirty="0" err="1"/>
-              <a:t>on</a:t>
-            </a:r>
-            <a:r>
-              <a:rPr lang="hu-HU" dirty="0"/>
-              <a:t>, </a:t>
-            </a:r>
-            <a:r>
-              <a:rPr lang="hu-HU" dirty="0" err="1"/>
-              <a:t>nehezitések</a:t>
-            </a:r>
-            <a:endParaRPr lang="hu-HU" dirty="0"/>
+            <a:pPr algn="ctr"/>
+            <a:endParaRPr lang="hu-HU"/>
+          </a:p>
+        </p:txBody>
+      </p:sp>
+      <p:grpSp>
+        <p:nvGrpSpPr>
+          <p:cNvPr id="24" name="Csoportba foglalás 23">
+            <a:extLst>
+              <a:ext uri="{FF2B5EF4-FFF2-40B4-BE49-F238E27FC236}">
+                <a16:creationId xmlns:a16="http://schemas.microsoft.com/office/drawing/2014/main" id="{54661281-E6FD-2853-62AE-1C41C31E7B0C}"/>
+              </a:ext>
+            </a:extLst>
+          </p:cNvPr>
+          <p:cNvGrpSpPr/>
+          <p:nvPr/>
+        </p:nvGrpSpPr>
+        <p:grpSpPr>
+          <a:xfrm>
+            <a:off x="10991347" y="96662"/>
+            <a:ext cx="921657" cy="6555641"/>
+            <a:chOff x="2532743" y="1292319"/>
+            <a:chExt cx="7126513" cy="4331793"/>
+          </a:xfrm>
+        </p:grpSpPr>
+        <p:sp useBgFill="1">
+          <p:nvSpPr>
+            <p:cNvPr id="25" name="Téglalap: lekerekített 24">
+              <a:extLst>
+                <a:ext uri="{FF2B5EF4-FFF2-40B4-BE49-F238E27FC236}">
+                  <a16:creationId xmlns:a16="http://schemas.microsoft.com/office/drawing/2014/main" id="{01970F17-3102-83A9-B73F-17FFCC50B28F}"/>
+                </a:ext>
+              </a:extLst>
+            </p:cNvPr>
+            <p:cNvSpPr/>
+            <p:nvPr/>
+          </p:nvSpPr>
+          <p:spPr>
+            <a:xfrm>
+              <a:off x="2532743" y="1294833"/>
+              <a:ext cx="7126513" cy="4297362"/>
+            </a:xfrm>
+            <a:prstGeom prst="roundRect">
+              <a:avLst/>
+            </a:prstGeom>
+            <a:ln>
+              <a:solidFill>
+                <a:schemeClr val="accent1">
+                  <a:shade val="15000"/>
+                </a:schemeClr>
+              </a:solidFill>
+            </a:ln>
+          </p:spPr>
+          <p:style>
+            <a:lnRef idx="2">
+              <a:schemeClr val="accent1">
+                <a:shade val="15000"/>
+              </a:schemeClr>
+            </a:lnRef>
+            <a:fillRef idx="1">
+              <a:schemeClr val="accent1"/>
+            </a:fillRef>
+            <a:effectRef idx="0">
+              <a:schemeClr val="accent1"/>
+            </a:effectRef>
+            <a:fontRef idx="minor">
+              <a:schemeClr val="lt1"/>
+            </a:fontRef>
+          </p:style>
+          <p:txBody>
+            <a:bodyPr rtlCol="0" anchor="ctr"/>
+            <a:lstStyle/>
+            <a:p>
+              <a:pPr algn="ctr"/>
+              <a:endParaRPr lang="hu-HU"/>
+            </a:p>
+          </p:txBody>
+        </p:sp>
+        <p:sp>
+          <p:nvSpPr>
+            <p:cNvPr id="26" name="Szövegdoboz 25">
+              <a:extLst>
+                <a:ext uri="{FF2B5EF4-FFF2-40B4-BE49-F238E27FC236}">
+                  <a16:creationId xmlns:a16="http://schemas.microsoft.com/office/drawing/2014/main" id="{F40B34DD-2F79-4F88-2129-2352E907977A}"/>
+                </a:ext>
+              </a:extLst>
+            </p:cNvPr>
+            <p:cNvSpPr txBox="1"/>
+            <p:nvPr/>
+          </p:nvSpPr>
+          <p:spPr>
+            <a:xfrm>
+              <a:off x="4711314" y="1292319"/>
+              <a:ext cx="2672192" cy="4331793"/>
+            </a:xfrm>
+            <a:prstGeom prst="rect">
+              <a:avLst/>
+            </a:prstGeom>
+            <a:noFill/>
+          </p:spPr>
+          <p:txBody>
+            <a:bodyPr wrap="square" rtlCol="0">
+              <a:spAutoFit/>
+            </a:bodyPr>
+            <a:lstStyle/>
+            <a:p>
+              <a:r>
+                <a:rPr lang="hu-HU" sz="2800" b="1" i="0" u="none" strike="noStrike" dirty="0" err="1">
+                  <a:ln w="3175">
+                    <a:solidFill>
+                      <a:schemeClr val="tx1"/>
+                    </a:solidFill>
+                  </a:ln>
+                  <a:solidFill>
+                    <a:schemeClr val="bg1"/>
+                  </a:solidFill>
+                  <a:effectLst/>
+                  <a:latin typeface="-apple-system"/>
+                </a:rPr>
+                <a:t>Beyond</a:t>
+              </a:r>
+              <a:r>
+                <a:rPr lang="hu-HU" sz="2800" b="1" i="0" u="none" strike="noStrike" dirty="0">
+                  <a:ln w="3175">
+                    <a:solidFill>
+                      <a:schemeClr val="tx1"/>
+                    </a:solidFill>
+                  </a:ln>
+                  <a:solidFill>
+                    <a:schemeClr val="bg1"/>
+                  </a:solidFill>
+                  <a:effectLst/>
+                  <a:latin typeface="-apple-system"/>
+                </a:rPr>
+                <a:t> The </a:t>
+              </a:r>
+              <a:r>
+                <a:rPr lang="hu-HU" sz="2800" b="1" i="0" u="none" strike="noStrike" dirty="0" err="1">
+                  <a:ln w="3175">
+                    <a:solidFill>
+                      <a:schemeClr val="tx1"/>
+                    </a:solidFill>
+                  </a:ln>
+                  <a:solidFill>
+                    <a:schemeClr val="bg1"/>
+                  </a:solidFill>
+                  <a:effectLst/>
+                  <a:latin typeface="-apple-system"/>
+                </a:rPr>
+                <a:t>Blocks</a:t>
+              </a:r>
+              <a:endParaRPr lang="hu-HU" sz="2800" b="1" i="0" u="none" strike="noStrike" dirty="0">
+                <a:ln w="3175">
+                  <a:solidFill>
+                    <a:schemeClr val="tx1"/>
+                  </a:solidFill>
+                </a:ln>
+                <a:solidFill>
+                  <a:schemeClr val="bg1"/>
+                </a:solidFill>
+                <a:effectLst/>
+                <a:latin typeface="-apple-system"/>
+              </a:endParaRPr>
+            </a:p>
+          </p:txBody>
+        </p:sp>
+      </p:grpSp>
+      <p:sp>
+        <p:nvSpPr>
+          <p:cNvPr id="17" name="Beszédbuborék: négyszög 16">
+            <a:extLst>
+              <a:ext uri="{FF2B5EF4-FFF2-40B4-BE49-F238E27FC236}">
+                <a16:creationId xmlns:a16="http://schemas.microsoft.com/office/drawing/2014/main" id="{7D76DDC6-10F5-F6F7-4B51-A59E855D3135}"/>
+              </a:ext>
+            </a:extLst>
+          </p:cNvPr>
+          <p:cNvSpPr/>
+          <p:nvPr/>
+        </p:nvSpPr>
+        <p:spPr>
+          <a:xfrm rot="16200000" flipH="1">
+            <a:off x="-10816786" y="-1975071"/>
+            <a:ext cx="6923314" cy="10834914"/>
+          </a:xfrm>
+          <a:prstGeom prst="wedgeRectCallout">
+            <a:avLst>
+              <a:gd name="adj1" fmla="val -31734"/>
+              <a:gd name="adj2" fmla="val 53364"/>
+            </a:avLst>
+          </a:prstGeom>
+          <a:solidFill>
+            <a:schemeClr val="accent1">
+              <a:lumMod val="20000"/>
+              <a:lumOff val="80000"/>
+            </a:schemeClr>
+          </a:solidFill>
+        </p:spPr>
+        <p:style>
+          <a:lnRef idx="2">
+            <a:schemeClr val="accent1">
+              <a:shade val="15000"/>
+            </a:schemeClr>
+          </a:lnRef>
+          <a:fillRef idx="1">
+            <a:schemeClr val="accent1"/>
+          </a:fillRef>
+          <a:effectRef idx="0">
+            <a:schemeClr val="accent1"/>
+          </a:effectRef>
+          <a:fontRef idx="minor">
+            <a:schemeClr val="lt1"/>
+          </a:fontRef>
+        </p:style>
+        <p:txBody>
+          <a:bodyPr rtlCol="0" anchor="ctr"/>
+          <a:lstStyle/>
+          <a:p>
+            <a:pPr algn="ctr"/>
+            <a:endParaRPr lang="hu-HU"/>
           </a:p>
         </p:txBody>
       </p:sp>
@@ -3607,10 +5721,629 @@
   <p:clrMapOvr>
     <a:masterClrMapping/>
   </p:clrMapOvr>
+  <mc:AlternateContent xmlns:mc="http://schemas.openxmlformats.org/markup-compatibility/2006">
+    <mc:Choice xmlns:p159="http://schemas.microsoft.com/office/powerpoint/2015/09/main" Requires="p159">
+      <p:transition xmlns:p14="http://schemas.microsoft.com/office/powerpoint/2010/main" spd="slow" p14:dur="2000">
+        <p159:morph option="byObject"/>
+      </p:transition>
+    </mc:Choice>
+    <mc:Fallback>
+      <p:transition spd="slow">
+        <p:fade/>
+      </p:transition>
+    </mc:Fallback>
+  </mc:AlternateContent>
 </p:sld>
 </file>
 
-<file path=ppt/slides/slide3.xml><?xml version="1.0" encoding="utf-8"?>
+<file path=ppt/slides/slide5.xml><?xml version="1.0" encoding="utf-8"?>
+<p:sld xmlns:a="http://schemas.openxmlformats.org/drawingml/2006/main" xmlns:r="http://schemas.openxmlformats.org/officeDocument/2006/relationships" xmlns:p="http://schemas.openxmlformats.org/presentationml/2006/main">
+  <p:cSld>
+    <p:bg>
+      <p:bgPr>
+        <a:blipFill dpi="0" rotWithShape="1">
+          <a:blip r:embed="rId2">
+            <a:lum/>
+          </a:blip>
+          <a:srcRect/>
+          <a:stretch>
+            <a:fillRect t="-37000" b="-37000"/>
+          </a:stretch>
+        </a:blipFill>
+        <a:effectLst/>
+      </p:bgPr>
+    </p:bg>
+    <p:spTree>
+      <p:nvGrpSpPr>
+        <p:cNvPr id="1" name="">
+          <a:extLst>
+            <a:ext uri="{FF2B5EF4-FFF2-40B4-BE49-F238E27FC236}">
+              <a16:creationId xmlns:a16="http://schemas.microsoft.com/office/drawing/2014/main" id="{13838A1E-0967-D233-50A7-2D0DAC4B5A3C}"/>
+            </a:ext>
+          </a:extLst>
+        </p:cNvPr>
+        <p:cNvGrpSpPr/>
+        <p:nvPr/>
+      </p:nvGrpSpPr>
+      <p:grpSpPr>
+        <a:xfrm>
+          <a:off x="0" y="0"/>
+          <a:ext cx="0" cy="0"/>
+          <a:chOff x="0" y="0"/>
+          <a:chExt cx="0" cy="0"/>
+        </a:xfrm>
+      </p:grpSpPr>
+      <p:sp>
+        <p:nvSpPr>
+          <p:cNvPr id="20" name="Beszédbuborék: négyszög 19">
+            <a:extLst>
+              <a:ext uri="{FF2B5EF4-FFF2-40B4-BE49-F238E27FC236}">
+                <a16:creationId xmlns:a16="http://schemas.microsoft.com/office/drawing/2014/main" id="{6DE6B587-F664-CB4B-FF84-E95BA31F5A18}"/>
+              </a:ext>
+            </a:extLst>
+          </p:cNvPr>
+          <p:cNvSpPr/>
+          <p:nvPr/>
+        </p:nvSpPr>
+        <p:spPr>
+          <a:xfrm rot="16200000" flipH="1">
+            <a:off x="1113167" y="-2006600"/>
+            <a:ext cx="6923314" cy="10834914"/>
+          </a:xfrm>
+          <a:prstGeom prst="wedgeRectCallout">
+            <a:avLst>
+              <a:gd name="adj1" fmla="val -31734"/>
+              <a:gd name="adj2" fmla="val 53364"/>
+            </a:avLst>
+          </a:prstGeom>
+          <a:solidFill>
+            <a:schemeClr val="accent1">
+              <a:lumMod val="60000"/>
+              <a:lumOff val="40000"/>
+            </a:schemeClr>
+          </a:solidFill>
+        </p:spPr>
+        <p:style>
+          <a:lnRef idx="2">
+            <a:schemeClr val="accent1">
+              <a:shade val="15000"/>
+            </a:schemeClr>
+          </a:lnRef>
+          <a:fillRef idx="1">
+            <a:schemeClr val="accent1"/>
+          </a:fillRef>
+          <a:effectRef idx="0">
+            <a:schemeClr val="accent1"/>
+          </a:effectRef>
+          <a:fontRef idx="minor">
+            <a:schemeClr val="lt1"/>
+          </a:fontRef>
+        </p:style>
+        <p:txBody>
+          <a:bodyPr rtlCol="0" anchor="ctr"/>
+          <a:lstStyle/>
+          <a:p>
+            <a:pPr algn="ctr"/>
+            <a:endParaRPr lang="hu-HU"/>
+          </a:p>
+        </p:txBody>
+      </p:sp>
+      <p:sp>
+        <p:nvSpPr>
+          <p:cNvPr id="21" name="Alcím 2">
+            <a:extLst>
+              <a:ext uri="{FF2B5EF4-FFF2-40B4-BE49-F238E27FC236}">
+                <a16:creationId xmlns:a16="http://schemas.microsoft.com/office/drawing/2014/main" id="{CBF7DD45-A2AB-2611-C08C-36BC298DE2DD}"/>
+              </a:ext>
+            </a:extLst>
+          </p:cNvPr>
+          <p:cNvSpPr txBox="1">
+            <a:spLocks/>
+          </p:cNvSpPr>
+          <p:nvPr/>
+        </p:nvSpPr>
+        <p:spPr>
+          <a:xfrm>
+            <a:off x="2819093" y="2839018"/>
+            <a:ext cx="5273488" cy="1655762"/>
+          </a:xfrm>
+          <a:prstGeom prst="rect">
+            <a:avLst/>
+          </a:prstGeom>
+        </p:spPr>
+        <p:txBody>
+          <a:bodyPr vert="horz" lIns="91440" tIns="45720" rIns="91440" bIns="45720" rtlCol="0">
+            <a:normAutofit lnSpcReduction="10000"/>
+          </a:bodyPr>
+          <a:lstStyle>
+            <a:lvl1pPr marL="0" indent="0" algn="ctr" defTabSz="914400" rtl="0" eaLnBrk="1" latinLnBrk="0" hangingPunct="1">
+              <a:lnSpc>
+                <a:spcPct val="90000"/>
+              </a:lnSpc>
+              <a:spcBef>
+                <a:spcPts val="1000"/>
+              </a:spcBef>
+              <a:buFont typeface="Arial" panose="020B0604020202020204" pitchFamily="34" charset="0"/>
+              <a:buNone/>
+              <a:defRPr sz="2400" kern="1200">
+                <a:solidFill>
+                  <a:schemeClr val="tx1"/>
+                </a:solidFill>
+                <a:latin typeface="+mn-lt"/>
+                <a:ea typeface="+mn-ea"/>
+                <a:cs typeface="+mn-cs"/>
+              </a:defRPr>
+            </a:lvl1pPr>
+            <a:lvl2pPr marL="457200" indent="0" algn="ctr" defTabSz="914400" rtl="0" eaLnBrk="1" latinLnBrk="0" hangingPunct="1">
+              <a:lnSpc>
+                <a:spcPct val="90000"/>
+              </a:lnSpc>
+              <a:spcBef>
+                <a:spcPts val="500"/>
+              </a:spcBef>
+              <a:buFont typeface="Arial" panose="020B0604020202020204" pitchFamily="34" charset="0"/>
+              <a:buNone/>
+              <a:defRPr sz="2000" kern="1200">
+                <a:solidFill>
+                  <a:schemeClr val="tx1"/>
+                </a:solidFill>
+                <a:latin typeface="+mn-lt"/>
+                <a:ea typeface="+mn-ea"/>
+                <a:cs typeface="+mn-cs"/>
+              </a:defRPr>
+            </a:lvl2pPr>
+            <a:lvl3pPr marL="914400" indent="0" algn="ctr" defTabSz="914400" rtl="0" eaLnBrk="1" latinLnBrk="0" hangingPunct="1">
+              <a:lnSpc>
+                <a:spcPct val="90000"/>
+              </a:lnSpc>
+              <a:spcBef>
+                <a:spcPts val="500"/>
+              </a:spcBef>
+              <a:buFont typeface="Arial" panose="020B0604020202020204" pitchFamily="34" charset="0"/>
+              <a:buNone/>
+              <a:defRPr sz="1800" kern="1200">
+                <a:solidFill>
+                  <a:schemeClr val="tx1"/>
+                </a:solidFill>
+                <a:latin typeface="+mn-lt"/>
+                <a:ea typeface="+mn-ea"/>
+                <a:cs typeface="+mn-cs"/>
+              </a:defRPr>
+            </a:lvl3pPr>
+            <a:lvl4pPr marL="1371600" indent="0" algn="ctr" defTabSz="914400" rtl="0" eaLnBrk="1" latinLnBrk="0" hangingPunct="1">
+              <a:lnSpc>
+                <a:spcPct val="90000"/>
+              </a:lnSpc>
+              <a:spcBef>
+                <a:spcPts val="500"/>
+              </a:spcBef>
+              <a:buFont typeface="Arial" panose="020B0604020202020204" pitchFamily="34" charset="0"/>
+              <a:buNone/>
+              <a:defRPr sz="1600" kern="1200">
+                <a:solidFill>
+                  <a:schemeClr val="tx1"/>
+                </a:solidFill>
+                <a:latin typeface="+mn-lt"/>
+                <a:ea typeface="+mn-ea"/>
+                <a:cs typeface="+mn-cs"/>
+              </a:defRPr>
+            </a:lvl4pPr>
+            <a:lvl5pPr marL="1828800" indent="0" algn="ctr" defTabSz="914400" rtl="0" eaLnBrk="1" latinLnBrk="0" hangingPunct="1">
+              <a:lnSpc>
+                <a:spcPct val="90000"/>
+              </a:lnSpc>
+              <a:spcBef>
+                <a:spcPts val="500"/>
+              </a:spcBef>
+              <a:buFont typeface="Arial" panose="020B0604020202020204" pitchFamily="34" charset="0"/>
+              <a:buNone/>
+              <a:defRPr sz="1600" kern="1200">
+                <a:solidFill>
+                  <a:schemeClr val="tx1"/>
+                </a:solidFill>
+                <a:latin typeface="+mn-lt"/>
+                <a:ea typeface="+mn-ea"/>
+                <a:cs typeface="+mn-cs"/>
+              </a:defRPr>
+            </a:lvl5pPr>
+            <a:lvl6pPr marL="2286000" indent="0" algn="ctr" defTabSz="914400" rtl="0" eaLnBrk="1" latinLnBrk="0" hangingPunct="1">
+              <a:lnSpc>
+                <a:spcPct val="90000"/>
+              </a:lnSpc>
+              <a:spcBef>
+                <a:spcPts val="500"/>
+              </a:spcBef>
+              <a:buFont typeface="Arial" panose="020B0604020202020204" pitchFamily="34" charset="0"/>
+              <a:buNone/>
+              <a:defRPr sz="1600" kern="1200">
+                <a:solidFill>
+                  <a:schemeClr val="tx1"/>
+                </a:solidFill>
+                <a:latin typeface="+mn-lt"/>
+                <a:ea typeface="+mn-ea"/>
+                <a:cs typeface="+mn-cs"/>
+              </a:defRPr>
+            </a:lvl6pPr>
+            <a:lvl7pPr marL="2743200" indent="0" algn="ctr" defTabSz="914400" rtl="0" eaLnBrk="1" latinLnBrk="0" hangingPunct="1">
+              <a:lnSpc>
+                <a:spcPct val="90000"/>
+              </a:lnSpc>
+              <a:spcBef>
+                <a:spcPts val="500"/>
+              </a:spcBef>
+              <a:buFont typeface="Arial" panose="020B0604020202020204" pitchFamily="34" charset="0"/>
+              <a:buNone/>
+              <a:defRPr sz="1600" kern="1200">
+                <a:solidFill>
+                  <a:schemeClr val="tx1"/>
+                </a:solidFill>
+                <a:latin typeface="+mn-lt"/>
+                <a:ea typeface="+mn-ea"/>
+                <a:cs typeface="+mn-cs"/>
+              </a:defRPr>
+            </a:lvl7pPr>
+            <a:lvl8pPr marL="3200400" indent="0" algn="ctr" defTabSz="914400" rtl="0" eaLnBrk="1" latinLnBrk="0" hangingPunct="1">
+              <a:lnSpc>
+                <a:spcPct val="90000"/>
+              </a:lnSpc>
+              <a:spcBef>
+                <a:spcPts val="500"/>
+              </a:spcBef>
+              <a:buFont typeface="Arial" panose="020B0604020202020204" pitchFamily="34" charset="0"/>
+              <a:buNone/>
+              <a:defRPr sz="1600" kern="1200">
+                <a:solidFill>
+                  <a:schemeClr val="tx1"/>
+                </a:solidFill>
+                <a:latin typeface="+mn-lt"/>
+                <a:ea typeface="+mn-ea"/>
+                <a:cs typeface="+mn-cs"/>
+              </a:defRPr>
+            </a:lvl8pPr>
+            <a:lvl9pPr marL="3657600" indent="0" algn="ctr" defTabSz="914400" rtl="0" eaLnBrk="1" latinLnBrk="0" hangingPunct="1">
+              <a:lnSpc>
+                <a:spcPct val="90000"/>
+              </a:lnSpc>
+              <a:spcBef>
+                <a:spcPts val="500"/>
+              </a:spcBef>
+              <a:buFont typeface="Arial" panose="020B0604020202020204" pitchFamily="34" charset="0"/>
+              <a:buNone/>
+              <a:defRPr sz="1600" kern="1200">
+                <a:solidFill>
+                  <a:schemeClr val="tx1"/>
+                </a:solidFill>
+                <a:latin typeface="+mn-lt"/>
+                <a:ea typeface="+mn-ea"/>
+                <a:cs typeface="+mn-cs"/>
+              </a:defRPr>
+            </a:lvl9pPr>
+          </a:lstStyle>
+          <a:p>
+            <a:r>
+              <a:rPr lang="hu-HU"/>
+              <a:t>Játékmenet:</a:t>
+            </a:r>
+          </a:p>
+          <a:p>
+            <a:r>
+              <a:rPr lang="hu-HU"/>
+              <a:t>2szakasz, </a:t>
+            </a:r>
+          </a:p>
+          <a:p>
+            <a:r>
+              <a:rPr lang="hu-HU"/>
+              <a:t>1szakasz:bevezetö, alapok elsajátítása</a:t>
+            </a:r>
+          </a:p>
+          <a:p>
+            <a:r>
+              <a:rPr lang="hu-HU"/>
+              <a:t>2szakasz:hardmode on, nehezitések</a:t>
+            </a:r>
+            <a:endParaRPr lang="hu-HU" dirty="0"/>
+          </a:p>
+        </p:txBody>
+      </p:sp>
+      <p:sp>
+        <p:nvSpPr>
+          <p:cNvPr id="16" name="Beszédbuborék: négyszög 15">
+            <a:extLst>
+              <a:ext uri="{FF2B5EF4-FFF2-40B4-BE49-F238E27FC236}">
+                <a16:creationId xmlns:a16="http://schemas.microsoft.com/office/drawing/2014/main" id="{43C5D5EC-F742-77A3-65CA-94A14A6837EF}"/>
+              </a:ext>
+            </a:extLst>
+          </p:cNvPr>
+          <p:cNvSpPr/>
+          <p:nvPr/>
+        </p:nvSpPr>
+        <p:spPr>
+          <a:xfrm rot="16200000" flipH="1">
+            <a:off x="743849" y="-1982329"/>
+            <a:ext cx="6923314" cy="10834914"/>
+          </a:xfrm>
+          <a:prstGeom prst="wedgeRectCallout">
+            <a:avLst>
+              <a:gd name="adj1" fmla="val -31734"/>
+              <a:gd name="adj2" fmla="val 53364"/>
+            </a:avLst>
+          </a:prstGeom>
+          <a:solidFill>
+            <a:schemeClr val="accent1">
+              <a:lumMod val="40000"/>
+              <a:lumOff val="60000"/>
+            </a:schemeClr>
+          </a:solidFill>
+        </p:spPr>
+        <p:style>
+          <a:lnRef idx="2">
+            <a:schemeClr val="accent1">
+              <a:shade val="15000"/>
+            </a:schemeClr>
+          </a:lnRef>
+          <a:fillRef idx="1">
+            <a:schemeClr val="accent1"/>
+          </a:fillRef>
+          <a:effectRef idx="0">
+            <a:schemeClr val="accent1"/>
+          </a:effectRef>
+          <a:fontRef idx="minor">
+            <a:schemeClr val="lt1"/>
+          </a:fontRef>
+        </p:style>
+        <p:txBody>
+          <a:bodyPr rtlCol="0" anchor="ctr"/>
+          <a:lstStyle/>
+          <a:p>
+            <a:pPr algn="ctr"/>
+            <a:endParaRPr lang="hu-HU"/>
+          </a:p>
+        </p:txBody>
+      </p:sp>
+      <p:grpSp>
+        <p:nvGrpSpPr>
+          <p:cNvPr id="24" name="Csoportba foglalás 23">
+            <a:extLst>
+              <a:ext uri="{FF2B5EF4-FFF2-40B4-BE49-F238E27FC236}">
+                <a16:creationId xmlns:a16="http://schemas.microsoft.com/office/drawing/2014/main" id="{B7C35E70-4AE4-984C-65D0-F9F100EBFF8F}"/>
+              </a:ext>
+            </a:extLst>
+          </p:cNvPr>
+          <p:cNvGrpSpPr/>
+          <p:nvPr/>
+        </p:nvGrpSpPr>
+        <p:grpSpPr>
+          <a:xfrm>
+            <a:off x="10991347" y="96662"/>
+            <a:ext cx="921657" cy="6555641"/>
+            <a:chOff x="2532743" y="1292319"/>
+            <a:chExt cx="7126513" cy="4331793"/>
+          </a:xfrm>
+        </p:grpSpPr>
+        <p:sp useBgFill="1">
+          <p:nvSpPr>
+            <p:cNvPr id="25" name="Téglalap: lekerekített 24">
+              <a:extLst>
+                <a:ext uri="{FF2B5EF4-FFF2-40B4-BE49-F238E27FC236}">
+                  <a16:creationId xmlns:a16="http://schemas.microsoft.com/office/drawing/2014/main" id="{0CD6AEB0-B744-EDAF-B259-85B5BE8F15D4}"/>
+                </a:ext>
+              </a:extLst>
+            </p:cNvPr>
+            <p:cNvSpPr/>
+            <p:nvPr/>
+          </p:nvSpPr>
+          <p:spPr>
+            <a:xfrm>
+              <a:off x="2532743" y="1294833"/>
+              <a:ext cx="7126513" cy="4297362"/>
+            </a:xfrm>
+            <a:prstGeom prst="roundRect">
+              <a:avLst/>
+            </a:prstGeom>
+            <a:ln>
+              <a:solidFill>
+                <a:schemeClr val="accent1">
+                  <a:shade val="15000"/>
+                </a:schemeClr>
+              </a:solidFill>
+            </a:ln>
+          </p:spPr>
+          <p:style>
+            <a:lnRef idx="2">
+              <a:schemeClr val="accent1">
+                <a:shade val="15000"/>
+              </a:schemeClr>
+            </a:lnRef>
+            <a:fillRef idx="1">
+              <a:schemeClr val="accent1"/>
+            </a:fillRef>
+            <a:effectRef idx="0">
+              <a:schemeClr val="accent1"/>
+            </a:effectRef>
+            <a:fontRef idx="minor">
+              <a:schemeClr val="lt1"/>
+            </a:fontRef>
+          </p:style>
+          <p:txBody>
+            <a:bodyPr rtlCol="0" anchor="ctr"/>
+            <a:lstStyle/>
+            <a:p>
+              <a:pPr algn="ctr"/>
+              <a:endParaRPr lang="hu-HU"/>
+            </a:p>
+          </p:txBody>
+        </p:sp>
+        <p:sp>
+          <p:nvSpPr>
+            <p:cNvPr id="26" name="Szövegdoboz 25">
+              <a:extLst>
+                <a:ext uri="{FF2B5EF4-FFF2-40B4-BE49-F238E27FC236}">
+                  <a16:creationId xmlns:a16="http://schemas.microsoft.com/office/drawing/2014/main" id="{229EB196-FEEB-7189-3C63-C5E4D57B567E}"/>
+                </a:ext>
+              </a:extLst>
+            </p:cNvPr>
+            <p:cNvSpPr txBox="1"/>
+            <p:nvPr/>
+          </p:nvSpPr>
+          <p:spPr>
+            <a:xfrm>
+              <a:off x="4711314" y="1292319"/>
+              <a:ext cx="2672192" cy="4331793"/>
+            </a:xfrm>
+            <a:prstGeom prst="rect">
+              <a:avLst/>
+            </a:prstGeom>
+            <a:noFill/>
+          </p:spPr>
+          <p:txBody>
+            <a:bodyPr wrap="square" rtlCol="0">
+              <a:spAutoFit/>
+            </a:bodyPr>
+            <a:lstStyle/>
+            <a:p>
+              <a:r>
+                <a:rPr lang="hu-HU" sz="2800" b="1" i="0" u="none" strike="noStrike" dirty="0" err="1">
+                  <a:ln w="3175">
+                    <a:solidFill>
+                      <a:schemeClr val="tx1"/>
+                    </a:solidFill>
+                  </a:ln>
+                  <a:solidFill>
+                    <a:schemeClr val="bg1"/>
+                  </a:solidFill>
+                  <a:effectLst/>
+                  <a:latin typeface="-apple-system"/>
+                </a:rPr>
+                <a:t>Beyond</a:t>
+              </a:r>
+              <a:r>
+                <a:rPr lang="hu-HU" sz="2800" b="1" i="0" u="none" strike="noStrike" dirty="0">
+                  <a:ln w="3175">
+                    <a:solidFill>
+                      <a:schemeClr val="tx1"/>
+                    </a:solidFill>
+                  </a:ln>
+                  <a:solidFill>
+                    <a:schemeClr val="bg1"/>
+                  </a:solidFill>
+                  <a:effectLst/>
+                  <a:latin typeface="-apple-system"/>
+                </a:rPr>
+                <a:t> The </a:t>
+              </a:r>
+              <a:r>
+                <a:rPr lang="hu-HU" sz="2800" b="1" i="0" u="none" strike="noStrike" dirty="0" err="1">
+                  <a:ln w="3175">
+                    <a:solidFill>
+                      <a:schemeClr val="tx1"/>
+                    </a:solidFill>
+                  </a:ln>
+                  <a:solidFill>
+                    <a:schemeClr val="bg1"/>
+                  </a:solidFill>
+                  <a:effectLst/>
+                  <a:latin typeface="-apple-system"/>
+                </a:rPr>
+                <a:t>Blocks</a:t>
+              </a:r>
+              <a:endParaRPr lang="hu-HU" sz="2800" b="1" i="0" u="none" strike="noStrike" dirty="0">
+                <a:ln w="3175">
+                  <a:solidFill>
+                    <a:schemeClr val="tx1"/>
+                  </a:solidFill>
+                </a:ln>
+                <a:solidFill>
+                  <a:schemeClr val="bg1"/>
+                </a:solidFill>
+                <a:effectLst/>
+                <a:latin typeface="-apple-system"/>
+              </a:endParaRPr>
+            </a:p>
+          </p:txBody>
+        </p:sp>
+      </p:grpSp>
+      <p:sp>
+        <p:nvSpPr>
+          <p:cNvPr id="17" name="Beszédbuborék: négyszög 16">
+            <a:extLst>
+              <a:ext uri="{FF2B5EF4-FFF2-40B4-BE49-F238E27FC236}">
+                <a16:creationId xmlns:a16="http://schemas.microsoft.com/office/drawing/2014/main" id="{7806A0FB-F78A-D52E-56F1-139F1D2FBB79}"/>
+              </a:ext>
+            </a:extLst>
+          </p:cNvPr>
+          <p:cNvSpPr/>
+          <p:nvPr/>
+        </p:nvSpPr>
+        <p:spPr>
+          <a:xfrm rot="16200000" flipH="1">
+            <a:off x="374530" y="-1982330"/>
+            <a:ext cx="6923314" cy="10834914"/>
+          </a:xfrm>
+          <a:prstGeom prst="wedgeRectCallout">
+            <a:avLst>
+              <a:gd name="adj1" fmla="val -31734"/>
+              <a:gd name="adj2" fmla="val 53364"/>
+            </a:avLst>
+          </a:prstGeom>
+          <a:solidFill>
+            <a:schemeClr val="accent1">
+              <a:lumMod val="20000"/>
+              <a:lumOff val="80000"/>
+            </a:schemeClr>
+          </a:solidFill>
+        </p:spPr>
+        <p:style>
+          <a:lnRef idx="2">
+            <a:schemeClr val="accent1">
+              <a:shade val="15000"/>
+            </a:schemeClr>
+          </a:lnRef>
+          <a:fillRef idx="1">
+            <a:schemeClr val="accent1"/>
+          </a:fillRef>
+          <a:effectRef idx="0">
+            <a:schemeClr val="accent1"/>
+          </a:effectRef>
+          <a:fontRef idx="minor">
+            <a:schemeClr val="lt1"/>
+          </a:fontRef>
+        </p:style>
+        <p:txBody>
+          <a:bodyPr rtlCol="0" anchor="ctr"/>
+          <a:lstStyle/>
+          <a:p>
+            <a:pPr algn="ctr"/>
+            <a:endParaRPr lang="hu-HU"/>
+          </a:p>
+        </p:txBody>
+      </p:sp>
+    </p:spTree>
+    <p:extLst>
+      <p:ext uri="{BB962C8B-B14F-4D97-AF65-F5344CB8AC3E}">
+        <p14:creationId xmlns:p14="http://schemas.microsoft.com/office/powerpoint/2010/main" val="4070386872"/>
+      </p:ext>
+    </p:extLst>
+  </p:cSld>
+  <p:clrMapOvr>
+    <a:masterClrMapping/>
+  </p:clrMapOvr>
+  <mc:AlternateContent xmlns:mc="http://schemas.openxmlformats.org/markup-compatibility/2006">
+    <mc:Choice xmlns:p159="http://schemas.microsoft.com/office/powerpoint/2015/09/main" Requires="p159">
+      <p:transition xmlns:p14="http://schemas.microsoft.com/office/powerpoint/2010/main" spd="slow" p14:dur="2000">
+        <p159:morph option="byObject"/>
+      </p:transition>
+    </mc:Choice>
+    <mc:Fallback>
+      <p:transition spd="slow">
+        <p:fade/>
+      </p:transition>
+    </mc:Fallback>
+  </mc:AlternateContent>
+</p:sld>
+</file>
+
+<file path=ppt/slides/slide6.xml><?xml version="1.0" encoding="utf-8"?>
 <p:sld xmlns:a="http://schemas.openxmlformats.org/drawingml/2006/main" xmlns:r="http://schemas.openxmlformats.org/officeDocument/2006/relationships" xmlns:p="http://schemas.openxmlformats.org/presentationml/2006/main">
   <p:cSld>
     <p:bg>
@@ -3849,7 +6582,7 @@
 </p:sld>
 </file>
 
-<file path=ppt/slides/slide4.xml><?xml version="1.0" encoding="utf-8"?>
+<file path=ppt/slides/slide7.xml><?xml version="1.0" encoding="utf-8"?>
 <p:sld xmlns:a="http://schemas.openxmlformats.org/drawingml/2006/main" xmlns:r="http://schemas.openxmlformats.org/officeDocument/2006/relationships" xmlns:p="http://schemas.openxmlformats.org/presentationml/2006/main">
   <p:cSld>
     <p:bg>
@@ -3980,7 +6713,7 @@
 </p:sld>
 </file>
 
-<file path=ppt/slides/slide5.xml><?xml version="1.0" encoding="utf-8"?>
+<file path=ppt/slides/slide8.xml><?xml version="1.0" encoding="utf-8"?>
 <p:sld xmlns:a="http://schemas.openxmlformats.org/drawingml/2006/main" xmlns:r="http://schemas.openxmlformats.org/officeDocument/2006/relationships" xmlns:p="http://schemas.openxmlformats.org/presentationml/2006/main">
   <p:cSld>
     <p:bg>
